--- a/Reference/Filter/Filter_Test.pptx
+++ b/Reference/Filter/Filter_Test.pptx
@@ -5,7 +5,7 @@
     <p:sldMasterId id="2147483648" r:id="rId1"/>
   </p:sldMasterIdLst>
   <p:notesMasterIdLst>
-    <p:notesMasterId r:id="rId25"/>
+    <p:notesMasterId r:id="rId24"/>
   </p:notesMasterIdLst>
   <p:sldIdLst>
     <p:sldId id="256" r:id="rId2"/>
@@ -29,8 +29,7 @@
     <p:sldId id="294" r:id="rId20"/>
     <p:sldId id="295" r:id="rId21"/>
     <p:sldId id="296" r:id="rId22"/>
-    <p:sldId id="291" r:id="rId23"/>
-    <p:sldId id="297" r:id="rId24"/>
+    <p:sldId id="297" r:id="rId23"/>
   </p:sldIdLst>
   <p:sldSz cx="12422188" cy="6858000"/>
   <p:notesSz cx="6858000" cy="9144000"/>
@@ -157,14 +156,21 @@
       </p:ext>
     </p:extLst>
   </p:cmAuthor>
+  <p:cmAuthor id="2" name="KIMGEONHAK" initials="K" lastIdx="2" clrIdx="1">
+    <p:extLst>
+      <p:ext uri="{19B8F6BF-5375-455C-9EA6-DF929625EA0E}">
+        <p15:presenceInfo xmlns:p15="http://schemas.microsoft.com/office/powerpoint/2012/main" userId="S::rlarjsgkrs@khu.ac.kr::920bb35b-4fad-48b8-83bf-9cc4ffeb7e5b" providerId="AD"/>
+      </p:ext>
+    </p:extLst>
+  </p:cmAuthor>
 </p:cmAuthorLst>
 </file>
 
 <file path=ppt/comments/comment1.xml><?xml version="1.0" encoding="utf-8"?>
 <p:cmLst xmlns:a="http://schemas.openxmlformats.org/drawingml/2006/main" xmlns:r="http://schemas.openxmlformats.org/officeDocument/2006/relationships" xmlns:p="http://schemas.openxmlformats.org/presentationml/2006/main">
-  <p:cm authorId="1" dt="2020-04-11T19:43:51.078" idx="2">
+  <p:cm authorId="2" dt="2020-04-12T01:23:28.774" idx="1">
     <p:pos x="10" y="10"/>
-    <p:text>여기 제목을 뭘로 해야할지.....</p:text>
+    <p:text>어떤가여</p:text>
     <p:extLst>
       <p:ext uri="{C676402C-5697-4E1C-873F-D02D1690AC5C}">
         <p15:threadingInfo xmlns:p15="http://schemas.microsoft.com/office/powerpoint/2012/main" timeZoneBias="-540"/>
@@ -172,128 +178,6 @@
     </p:extLst>
   </p:cm>
 </p:cmLst>
-</file>
-
-<file path=ppt/comments/comment2.xml><?xml version="1.0" encoding="utf-8"?>
-<p:cmLst xmlns:a="http://schemas.openxmlformats.org/drawingml/2006/main" xmlns:r="http://schemas.openxmlformats.org/officeDocument/2006/relationships" xmlns:p="http://schemas.openxmlformats.org/presentationml/2006/main">
-  <p:cm authorId="1" dt="2020-04-11T19:39:56.175" idx="1">
-    <p:pos x="10" y="10"/>
-    <p:text>요기 이거 좀 바꿔줘 어케 해야할지 몰라서 걍 펜으로 그림 ㅋ ㅋ ㅋ ㅋ ㅋ ㅋㅋ ㅋ ㅋ </p:text>
-    <p:extLst>
-      <p:ext uri="{C676402C-5697-4E1C-873F-D02D1690AC5C}">
-        <p15:threadingInfo xmlns:p15="http://schemas.microsoft.com/office/powerpoint/2012/main" timeZoneBias="-540"/>
-      </p:ext>
-    </p:extLst>
-  </p:cm>
-</p:cmLst>
-</file>
-
-<file path=ppt/ink/ink1.xml><?xml version="1.0" encoding="utf-8"?>
-<inkml:ink xmlns:inkml="http://www.w3.org/2003/InkML">
-  <inkml:definitions>
-    <inkml:context xml:id="ctx0">
-      <inkml:inkSource xml:id="inkSrc0">
-        <inkml:traceFormat>
-          <inkml:channel name="X" type="integer" min="-2.14748E9" max="2.14748E9" units="cm"/>
-          <inkml:channel name="Y" type="integer" min="-2.14748E9" max="2.14748E9" units="cm"/>
-          <inkml:channel name="F" type="integer" max="32767" units="dev"/>
-        </inkml:traceFormat>
-        <inkml:channelProperties>
-          <inkml:channelProperty channel="X" name="resolution" value="1000" units="1/cm"/>
-          <inkml:channelProperty channel="Y" name="resolution" value="1000" units="1/cm"/>
-          <inkml:channelProperty channel="F" name="resolution" value="0" units="1/dev"/>
-        </inkml:channelProperties>
-      </inkml:inkSource>
-      <inkml:timestamp xml:id="ts0" timeString="2020-04-11T10:37:31.478"/>
-    </inkml:context>
-    <inkml:brush xml:id="br0">
-      <inkml:brushProperty name="width" value="0.05" units="cm"/>
-      <inkml:brushProperty name="height" value="0.05" units="cm"/>
-    </inkml:brush>
-  </inkml:definitions>
-  <inkml:trace contextRef="#ctx0" brushRef="#br0">8559 3875 24575,'-12'0'0,"-23"0"0,-26 0 0,-3 0 0,-7 0-2276,-9 0 1,-5 0 2275,17 0 0,-3 0 0,-1 0-685,-2 0 0,-1 0 0,-1 0 685,1 0 0,0 0 0,-3 0 0,-13 0 0,-3 0 0,6 0 0,-6 0 0,-1 0 0,1 0 0,-6 0 0,5 0-805,27 0 1,4 0 0,-8 0 804,-20 0 0,-10 0 0,-4 0 0,7 0 0,22 0 0,4 0 0,-1 0 0,-4 0 0,-3 0 0,-6 0 0,0 0 0,3 0 0,8 0 0,-1 1 0,8 0 0,-4-3-721,-22-5 1,-6-3 0,6-1 720,18 0 0,3-1 0,-2-2 0,-10-5 0,-3-3 0,-1 1 0,-1-1 0,-1 1 0,3 0-144,11 2 0,2-1 0,1 0 144,0-2 0,-1-1 0,2 0 0,7 4 0,1 0 0,1-1 131,0-4 1,-1-1 0,3 2-132,-23-5 0,2 0 0,1-6 0,0 0 0,-1 7 0,1-1 0,2-10 0,0-1 0,-8 6 0,-2-1 0,31 5 0,1-3 0,0 2 0,-27-7 0,1 0 0,-3-4 0,4 1 0,23 12 0,-1-1 0,-29-12 0,4 2 1058,42 18 1,-1 0-1059,-14-5 0,-7-3 0,7 4 0,11 5 0,1 0 0,-23-12 0,-1-2 0,16 6 0,2-1 0,-2-2 0,-1-2 0,-5-4 0,0 0 0,4-1 0,0 1 1041,6 5 1,1 0-1042,1-6 0,2 1 0,-32-23 0,34 26 0,1-1 0,-30-29 2480,5 14-2480,25 5 2083,8 14-2083,14 4 1554,8 6-1554,9 6 816,2-5-816,4 10 84,0-4-84,0 4 0,0 1 0,9-1 0,2 0 0,15 0 0,-4-5 0,24-4 0,-20-8 0,29-6 0,-10-4 0,15-3 0,17-15-763,0 10 763,-33 12 0,2 0 0,6 6 0,2 0-871,3-9 0,2-1 871,12-2 0,3-1 0,2-4 0,0 0-1130,5-2 1,2 1 1129,5-2 0,0 0 0,-5 2 0,0-1 0,-20 14 0,1 0 0,-2 1 0,19-10 0,0 0-758,5 0 0,-1 1 758,-13 6 0,0 1 0,4 3 0,-1 0 0,-9 1 0,1 2 0,8 4 0,1 2 0,-4 0 0,0 1 0,5 2 0,0 2 0,1 2 0,-1 1 0,0 0 0,1 1 0,-1 3 0,0 0 0,1 0 0,-1 1 0,0 3 0,0 1 0,2-5 0,-3 2-283,-19 6 1,1 0 282,27-7 0,0 0 0,-30 7 0,0 0 0,27-4 0,2 1 0,-19 4 0,-1 0 0,6 0 0,1 0 0,6 0 0,1 0-137,6 0 1,2 0 136,4 0 0,2 0-108,-24 0 1,2 0 0,1 0 107,-1 0 0,2 0 0,1 0-330,11 3 1,3 0 0,-1 1 329,-4-1 0,-1 0 0,1 2 0,4 4 0,0 1 0,-1 0 0,-9-2 0,0-2 0,-1 2 0,0 4 0,1 1 0,-3-1-322,27 2 0,-3 1 322,1 3 0,-1 1 0,-6 3 0,-2 0 0,-4-4 0,-1 1 35,-1 6 1,-1 1-36,-4-4 0,-1 0 0,0 2 0,0 3 0,0 2 0,0 1 0,1 0 0,-1 1 0,1 3 0,-2 1 0,-4-2 0,0 1 0,5 0 0,-2 0 641,-22-7 1,-2 0-642,11 4 0,2 2 0,2 3 0,-2 0 0,-12-3 0,0 0 0,12 3 0,-3-1 2521,7 12-2521,-9-8 0,17 17 0,-11-5 834,-29-16 1,1 2-835,35 29 0,-14 6 0,-24-32 0,-1 1 0,16 30 0,1 14 0,-1-6 0,-11 6 0,4-6 0,-14 3 1858,-7-14-1858,-2-1 1017,-6-11-1017,-2-14 0,-4-2 0,-2-6 601,-5 6-601,0 10 52,0 0-52,0 7 0,0 8 0,-6-5 0,-8 23 0,-7-15 0,-13 15 0,5-15 0,-10 7 0,12-17 0,-11 0 0,-1-7 0,-2 2 0,-11 0 0,5 0 0,-6 0 0,-17 3 0,20-10-344,4-12 1,-3-1 343,-20 19 0,20-16 0,-3-2 0,3-6 0,0-2 0,-3 5 0,1-1 0,-38 9 0,26-8 0,-1 0 0,18-10 0,-2-2 0,-15 6 0,-1-1 0,4-4 0,3-2 0,-26 4 0,10-5 0,2-2 0,7 0 0,3-2 0,-2-2 0,-6-4-160,-16-1 160,8-6 0,10 0 0,11 0 0,14 0 0,1 0 681,8 0-681,5-5 166,2 0-166,5-6 0,1 1 0,4 4 0,-3 2 0,8 4 0,-3-4 0,9 3 0,1-4 0</inkml:trace>
-</inkml:ink>
-</file>
-
-<file path=ppt/ink/ink2.xml><?xml version="1.0" encoding="utf-8"?>
-<inkml:ink xmlns:inkml="http://www.w3.org/2003/InkML">
-  <inkml:definitions>
-    <inkml:context xml:id="ctx0">
-      <inkml:inkSource xml:id="inkSrc0">
-        <inkml:traceFormat>
-          <inkml:channel name="X" type="integer" min="-2.14748E9" max="2.14748E9" units="cm"/>
-          <inkml:channel name="Y" type="integer" min="-2.14748E9" max="2.14748E9" units="cm"/>
-          <inkml:channel name="F" type="integer" max="32767" units="dev"/>
-        </inkml:traceFormat>
-        <inkml:channelProperties>
-          <inkml:channelProperty channel="X" name="resolution" value="1000" units="1/cm"/>
-          <inkml:channelProperty channel="Y" name="resolution" value="1000" units="1/cm"/>
-          <inkml:channelProperty channel="F" name="resolution" value="0" units="1/dev"/>
-        </inkml:channelProperties>
-      </inkml:inkSource>
-      <inkml:timestamp xml:id="ts0" timeString="2020-04-11T10:37:33.778"/>
-    </inkml:context>
-    <inkml:brush xml:id="br0">
-      <inkml:brushProperty name="width" value="0.05" units="cm"/>
-      <inkml:brushProperty name="height" value="0.05" units="cm"/>
-    </inkml:brush>
-  </inkml:definitions>
-  <inkml:trace contextRef="#ctx0" brushRef="#br0">11028 5318 24575,'-52'0'0,"1"0"0,-8 0 0,-6 0 0,-1 0 0,-5 0 0,-4 0-2743,-10 0 0,-3 0 0,-4 0 2743,11 0 0,-2 0 0,-2 0 0,0 0-704,-1 0 1,-2 0 0,0 0 0,-2 0 703,10 0 0,-2 0 0,-1 0 0,2 0 0,6 0 0,-18 0 0,6 0 0,-4 0 0,4 0 0,-3 0 0,-3 0 0,1 0 0,-2 0 0,-1 0 0,-1 0 0,1 0 0,2 0 0,0 0 0,-1 0 0,-3 0 0,9 0 0,-3 0 0,-2 0 0,3 0 0,3 0 0,-2 0 0,4 0 0,0 0 0,0 0 0,-2 0 0,0 1 0,0-1 0,0-1 0,-1-2 0,1-2 0,-1-1 0,-1-1 0,10-1 0,-1-1 0,-1-1 0,0-1 0,0-1-336,-1 0 1,0-1 0,0 0 0,0-1 0,-1-1 335,-3-1 0,-1-2 0,0 0 0,0 0 0,0 1 0,1 1 0,0 2 0,0-1 0,0 0 0,1-1 0,-2-1 0,0-1 0,0 0 0,3 1 0,5 1-764,-19-1 1,7 1-1,-9-2 764,9-2 0,-11-4 0,-2-1 0,6 1 0,13 5 28,13 5 0,9 2 1,-8-1-29,-7-4 0,-10-3 0,-5-1 0,4-1 0,9 3 0,-5-2 0,8 1 0,-3-1 0,8 2 0,-2 0 0,0 0 0,-1-1 0,2-1 0,0 0 0,0-1 0,1-1 0,-20-7 0,1-2 0,-1 0 0,0 0 0,0 0 0,1-1 0,-2-2 0,1-1 0,1 1 278,7 4 1,2 1-1,1-2-278,1-1 0,2-1 0,5 3 1171,-2 0 0,5-1-1171,-7-5 0,4-1 0,25 11 0,2 0 1696,-6-3 1,2-1-1697,7 1 0,4 1 0,-15-19 3315,16-1-3315,14 12 3119,6-10-3119,12 5 1483,0-14-1483,6-3 0,0-15 0,0-12-264,0-2 264,0 32 0,0-2 0,0-41 0,6 36 0,3-1 0,-2 9 0,3 1 0,4 4 0,1 1 0,0-2 0,0 0 0,19-28 0,-15 28 0,0-2 0,24-34 0,-16 30 0,0 0 0,-5 11 0,0 2 0,28-39 0,-21 36 0,1 1 0,29-23 0,-21 22 0,2-1 0,7 0 0,2 2-645,-1 5 0,1 0 645,8-4 0,3-1 0,5 3 0,5 1-1237,12-4 0,4 1 1237,-26 16 0,3 1 0,5-1-892,3 0 1,5-2 0,3 0-1,-4 1 892,13-3 0,-3 0 0,3 1 0,-17 8 0,0 1 0,3 0 0,0-2 0,13-5 0,4-2 0,-3 1 0,-6 5 0,-9 5 0,-6 4 0,6-3 0,13-6 0,7-4 0,2 0 0,-7 2 0,-1 2 0,-5 2 0,2 1 0,-9 3 0,3 0 0,1 1 0,-2-1 0,-3 1 0,0 0 0,-1 0 0,1 1-736,23-5 1,0 2 0,-1 0 735,-3 2 0,-1 1 0,-1 1 0,-4 2 0,-1 0 0,1 3 0,3 3 0,1 2 0,0 2 0,-5 1 0,0 1 0,1 1 0,4 1 0,1 2 0,0-1 0,0 0 0,-1 0 0,0 0 0,1-1 0,0 1 0,0 1 0,0 3 0,-1 3 0,1 1 0,0 1 0,0 2 0,-1 2 0,1 2 0,0 4 0,0 1 0,0 3 0,-1 2 0,1 0 0,0-4 0,0 0 0,-1 2 0,-4 3 0,-1 2 0,0-2 0,0-4 0,0-2 0,-1 2 0,-6 3 0,-2 1 0,5 0 0,-4-3 0,5-1 0,0 1 0,-2 1-584,11 7 1,-3 2 0,5-1 583,-10-6 0,6 1 0,-2-1 0,-7 0 0,-4 3 0,-6 1 0,3-2 0,11 2 0,2 0 0,3 3 0,-13-1 0,3 3 0,0 2 0,0-2-334,-4-3 0,-2 0 0,2 0 0,3 2 334,-2 1 0,5 3 0,0 0 0,-2 0 0,-7-3 0,10 5 0,-7-2 0,2 1 24,-6-2 0,2 2 0,0 0 1,-3-2-25,3 1 0,-3-1 0,1 2 176,14 7 0,1 1 0,-5-4-176,8 3 0,-5-3 390,-23-10 0,-1 1 0,-4-2-390,3 2 0,-3-1 1247,12 6 1,0 0-1248,-10-2 0,-4-2 1329,-12-5 0,-2-1-1329,4 4 0,-3 1 0,17 29 0,-22-23 0,0 2 0,-6 6 0,-2 3 569,9 11 1,-1 4-570,-2 4 0,-1 4-2,6 10 0,0 2 2,0-6 0,-1 1 0,-1 10 0,-2-3 0,-5-26 0,-2-2 302,0 10 0,-2-4-302,1 4 476,1 14-476,-11-33 1394,-6-3-1394,-1-20 2158,-5-7-2158,-1-2 608,-5-3-608,0 10 0,-11 9 0,-15 8 0,-25 25 0,-15 6-729,25-27 0,-3 0 729,-5 3 0,0-3 0,10-11 0,-2 0 0,-22 19 0,2-3-610,-2-3 610,9-6 0,-3 1 0,10-12 0,-1-1 0,2 1 0,-4-1-739,-12 3 0,-5-1 739,-4 1 0,-5-2-1254,-16-7 0,-5-2 1254,19-2 0,-3 3 0,0-4 0,9-4 0,0-3 0,-2-1 0,-12 2 0,-3 0 0,2-1-553,8 1 1,3-1 0,-3-2 552,-11-2 0,-2-3 0,0 2 0,5 2 0,0 1 0,0-2 0,1-1 0,1-1 0,0-1 0,8-2 0,1 0 0,1-1-404,3 0 1,2 1 0,0-2 403,-28-2 0,1 0 0,8 1 0,-4-2 0,11-3 0,-5-3 0,0-3-608,7-3 1,1-4-1,-4-5 608,0-4 0,-6-5 0,2-1 0,11 2 0,-9-4 0,9 0 0,1-9 0,0 0 0</inkml:trace>
-</inkml:ink>
-</file>
-
-<file path=ppt/ink/ink3.xml><?xml version="1.0" encoding="utf-8"?>
-<inkml:ink xmlns:inkml="http://www.w3.org/2003/InkML">
-  <inkml:definitions>
-    <inkml:context xml:id="ctx0">
-      <inkml:inkSource xml:id="inkSrc0">
-        <inkml:traceFormat>
-          <inkml:channel name="X" type="integer" min="-2.14748E9" max="2.14748E9" units="cm"/>
-          <inkml:channel name="Y" type="integer" min="-2.14748E9" max="2.14748E9" units="cm"/>
-          <inkml:channel name="F" type="integer" max="32767" units="dev"/>
-        </inkml:traceFormat>
-        <inkml:channelProperties>
-          <inkml:channelProperty channel="X" name="resolution" value="1000" units="1/cm"/>
-          <inkml:channelProperty channel="Y" name="resolution" value="1000" units="1/cm"/>
-          <inkml:channelProperty channel="F" name="resolution" value="0" units="1/dev"/>
-        </inkml:channelProperties>
-      </inkml:inkSource>
-      <inkml:timestamp xml:id="ts0" timeString="2020-04-11T10:37:35.146"/>
-    </inkml:context>
-    <inkml:brush xml:id="br0">
-      <inkml:brushProperty name="width" value="0.05" units="cm"/>
-      <inkml:brushProperty name="height" value="0.05" units="cm"/>
-    </inkml:brush>
-  </inkml:definitions>
-  <inkml:trace contextRef="#ctx0" brushRef="#br0">1 8138 24575,'6'-34'0,"22"-18"0,-2 8 0,7-5-2164,17-11 0,6-2 2164,7-6 0,5-3-1813,-4 11 1,6-2 0,5-4 1812,-14 10 0,3-3 0,3-2 0,1 0 0,0 2-458,1 2 0,0 3 0,1-1 0,2-1 0,3-4 458,-8 6 0,1-3 0,2-2 0,2 0 0,0-1 0,0 2 0,0 3-399,-1 3 0,-1 2 1,1 1-1,0 0 1,1 0-1,2 0 0,2-2 399,-1 0 0,1 0 0,1 0 0,1-1 0,2-1 0,2-1 0,2-3 0,4-1-107,-17 10 0,3-2 0,2-2 0,3-1 0,1-2 0,2 0 0,-1 0 0,1-1 0,-1 2 0,0 0 0,-3 2 0,-1 2 0,-3 2 107,12-6 0,-4 3 0,-1 3 0,-2 1 0,0 0 0,0 0 0,2-2 0,3-3 0,4-4-11,-13 8 1,2-4-1,2-2 1,3-2-1,0-1 1,2-1-1,0-1 1,1 0-1,-1 1 1,-1 0 0,-1 3-1,-1 1 1,-3 3-1,-2 3 11,8-4 0,-3 4 0,-2 3 0,-1 1 0,-2 2 0,1-1 0,0 1 0,1-2 0,2-1 0,1-3 0,-2 0 0,1-1 0,2-2 0,1-1 0,1-1 0,0 0 0,0 0 0,-1 0 0,0 2 0,-2 1 0,-2 2 0,-1 3 0,7-4 0,-3 3 0,-1 2 0,-1 1 0,-1 1 0,1 1 0,0-1 0,1-1 0,2-2 0,0 0 0,3-1 0,0-2 0,2 0 0,0 0 0,-1 0 0,-1 2 0,-1 1 0,-4 2 0,-2 3 0,7-2 0,-4 3 0,-3 2 0,-1 1 0,0 1 0,3-2 0,3-1 0,-7 2 0,2-2 0,2 0 0,1-1 0,1 0 0,0 1 0,-1-1 0,-2 2 0,-1 1 0,13-5 0,-2 0 0,-1 1 0,-1 1 0,0 1 0,0 0 0,-1 2 0,-4 3 0,0 0 0,0 1 0,-1 1 0,-1 1 0,0 0 0,-3 1 0,19-8 0,-2 1 0,-2 1 0,-2 2 0,-2 2 113,6 1 1,-4 2 0,0 2-1,-1-1-113,-1-2 0,-1 0 0,0 0 0,-3 4 0,12 0 0,-3 4 0,2-2 162,-15 1 0,2-1 1,1 0-1,-1 2-162,-3 2 0,0 2 0,-2 1 0,-5 1 508,2 0 1,-5 2 0,1-2-509,7-4 0,0 0 0,-6 1 1253,-1 3 0,-2 2-1253,16-6 0,-2 1 1439,-20 5 1,-5 3-1440,31-5 3740,-24 2-3740,-23 6 2472,-13 2-2472,-9 5 1637,-10 0-1637,-1 0 521,-8 0-521,-7 0 0,0 0 0,-3 0 0</inkml:trace>
-</inkml:ink>
-</file>
-
-<file path=ppt/ink/ink4.xml><?xml version="1.0" encoding="utf-8"?>
-<inkml:ink xmlns:inkml="http://www.w3.org/2003/InkML">
-  <inkml:definitions>
-    <inkml:context xml:id="ctx0">
-      <inkml:inkSource xml:id="inkSrc0">
-        <inkml:traceFormat>
-          <inkml:channel name="X" type="integer" min="-2.14748E9" max="2.14748E9" units="cm"/>
-          <inkml:channel name="Y" type="integer" min="-2.14748E9" max="2.14748E9" units="cm"/>
-          <inkml:channel name="F" type="integer" max="32767" units="dev"/>
-        </inkml:traceFormat>
-        <inkml:channelProperties>
-          <inkml:channelProperty channel="X" name="resolution" value="1000" units="1/cm"/>
-          <inkml:channelProperty channel="Y" name="resolution" value="1000" units="1/cm"/>
-          <inkml:channelProperty channel="F" name="resolution" value="0" units="1/dev"/>
-        </inkml:channelProperties>
-      </inkml:inkSource>
-      <inkml:timestamp xml:id="ts0" timeString="2020-04-11T10:37:36.873"/>
-    </inkml:context>
-    <inkml:brush xml:id="br0">
-      <inkml:brushProperty name="width" value="0.05" units="cm"/>
-      <inkml:brushProperty name="height" value="0.05" units="cm"/>
-    </inkml:brush>
-  </inkml:definitions>
-  <inkml:trace contextRef="#ctx0" brushRef="#br0">1 8022 24575,'0'-61'0,"0"-36"0,9 38 0,4-6-2984,1-29 0,5-6 2984,3 29 0,5-1 0,1-3-1134,3-16 0,1-3 0,5-3 1134,-2 17 0,3-1 0,2-1 0,-1-1-540,0-3 0,-1 0 0,1-2 0,4 1 540,-1 11 0,3-1 0,2 0 0,-1 0 0,-1 1-592,-3 1 1,-3 1 0,1-1 0,1 1 0,2-1 591,6-6 0,2 0 0,2 0 0,0 1 0,-1-1-247,0 3 1,-1 0-1,0 1 1,1-1 0,0 0 246,2-2 0,0-1 0,1 0 0,1 0 0,2 0-87,-6 11 0,1 0 0,1 0 0,1 0 0,0 0 1,-1 1 86,-2 1 0,0 0 0,-1 0 0,1 1 0,1-1 0,1 0-24,3-3 1,2 0 0,1-1 0,1 0 0,-1 1 0,-1 1 23,-2 3 0,0 0 0,0 1 0,-1 1 0,1-1 0,1 1-1,0-1 0,1-1 0,1 1 0,-1 1 0,0 0 0,-1 0 1,10-8 0,-1-1 0,0 2 0,-1 1 0,-3 4 106,3-1 0,-3 4 0,0 0 0,0-1-106,5-8 0,0-1 0,0 0 0,-4 6 0,2 0 0,-4 4 0,2-1 217,-7 9 0,2-2 1,0 1-1,-1 0-217,10-11 0,-1 1 0,0 4 498,-5 11 1,1 3 0,-2 0-499,-4 0 0,-2 0 0,-2 4 1432,5 1 1,-2 3-1433,1-7 0,-3 3 0,28-10 0,-41 25 0,0-1 0,9-3 0,-1 1 3461,19-9-3461,2-1 3359,-14 12-3359,-14 13 2825,-1 0-2825,-14 8 1085,-1-1-1085,-10 5 0,-2-3 0,-5 8 0,-7-3 0,-3 4 0,-8 0 0,0 4 0,0-3 0,-1 8 0,5-8 0,1 3 0</inkml:trace>
-</inkml:ink>
 </file>
 
 <file path=ppt/notesMasters/notesMaster1.xml><?xml version="1.0" encoding="utf-8"?>
@@ -378,7 +262,7 @@
           <a:p>
             <a:fld id="{200993EC-45F5-4DA5-8448-D9901EB9DDFF}" type="datetimeFigureOut">
               <a:rPr lang="ko-KR" altLang="en-US" smtClean="0"/>
-              <a:t>2020. 4. 11.</a:t>
+              <a:t>2020-04-12</a:t>
             </a:fld>
             <a:endParaRPr lang="ko-KR" altLang="en-US"/>
           </a:p>
@@ -908,7 +792,7 @@
           <a:p>
             <a:fld id="{338A41CD-37ED-43DB-9E9F-403BF901A9EB}" type="datetimeFigureOut">
               <a:rPr lang="ko-KR" altLang="en-US" smtClean="0"/>
-              <a:t>2020. 4. 11.</a:t>
+              <a:t>2020-04-12</a:t>
             </a:fld>
             <a:endParaRPr lang="ko-KR" altLang="en-US"/>
           </a:p>
@@ -1076,7 +960,7 @@
           <a:p>
             <a:fld id="{338A41CD-37ED-43DB-9E9F-403BF901A9EB}" type="datetimeFigureOut">
               <a:rPr lang="ko-KR" altLang="en-US" smtClean="0"/>
-              <a:t>2020. 4. 11.</a:t>
+              <a:t>2020-04-12</a:t>
             </a:fld>
             <a:endParaRPr lang="ko-KR" altLang="en-US"/>
           </a:p>
@@ -1254,7 +1138,7 @@
           <a:p>
             <a:fld id="{338A41CD-37ED-43DB-9E9F-403BF901A9EB}" type="datetimeFigureOut">
               <a:rPr lang="ko-KR" altLang="en-US" smtClean="0"/>
-              <a:t>2020. 4. 11.</a:t>
+              <a:t>2020-04-12</a:t>
             </a:fld>
             <a:endParaRPr lang="ko-KR" altLang="en-US"/>
           </a:p>
@@ -1422,7 +1306,7 @@
           <a:p>
             <a:fld id="{338A41CD-37ED-43DB-9E9F-403BF901A9EB}" type="datetimeFigureOut">
               <a:rPr lang="ko-KR" altLang="en-US" smtClean="0"/>
-              <a:t>2020. 4. 11.</a:t>
+              <a:t>2020-04-12</a:t>
             </a:fld>
             <a:endParaRPr lang="ko-KR" altLang="en-US"/>
           </a:p>
@@ -1667,7 +1551,7 @@
           <a:p>
             <a:fld id="{338A41CD-37ED-43DB-9E9F-403BF901A9EB}" type="datetimeFigureOut">
               <a:rPr lang="ko-KR" altLang="en-US" smtClean="0"/>
-              <a:t>2020. 4. 11.</a:t>
+              <a:t>2020-04-12</a:t>
             </a:fld>
             <a:endParaRPr lang="ko-KR" altLang="en-US"/>
           </a:p>
@@ -1952,7 +1836,7 @@
           <a:p>
             <a:fld id="{338A41CD-37ED-43DB-9E9F-403BF901A9EB}" type="datetimeFigureOut">
               <a:rPr lang="ko-KR" altLang="en-US" smtClean="0"/>
-              <a:t>2020. 4. 11.</a:t>
+              <a:t>2020-04-12</a:t>
             </a:fld>
             <a:endParaRPr lang="ko-KR" altLang="en-US"/>
           </a:p>
@@ -2371,7 +2255,7 @@
           <a:p>
             <a:fld id="{338A41CD-37ED-43DB-9E9F-403BF901A9EB}" type="datetimeFigureOut">
               <a:rPr lang="ko-KR" altLang="en-US" smtClean="0"/>
-              <a:t>2020. 4. 11.</a:t>
+              <a:t>2020-04-12</a:t>
             </a:fld>
             <a:endParaRPr lang="ko-KR" altLang="en-US"/>
           </a:p>
@@ -2488,7 +2372,7 @@
           <a:p>
             <a:fld id="{338A41CD-37ED-43DB-9E9F-403BF901A9EB}" type="datetimeFigureOut">
               <a:rPr lang="ko-KR" altLang="en-US" smtClean="0"/>
-              <a:t>2020. 4. 11.</a:t>
+              <a:t>2020-04-12</a:t>
             </a:fld>
             <a:endParaRPr lang="ko-KR" altLang="en-US"/>
           </a:p>
@@ -2583,7 +2467,7 @@
           <a:p>
             <a:fld id="{338A41CD-37ED-43DB-9E9F-403BF901A9EB}" type="datetimeFigureOut">
               <a:rPr lang="ko-KR" altLang="en-US" smtClean="0"/>
-              <a:t>2020. 4. 11.</a:t>
+              <a:t>2020-04-12</a:t>
             </a:fld>
             <a:endParaRPr lang="ko-KR" altLang="en-US"/>
           </a:p>
@@ -2858,7 +2742,7 @@
           <a:p>
             <a:fld id="{338A41CD-37ED-43DB-9E9F-403BF901A9EB}" type="datetimeFigureOut">
               <a:rPr lang="ko-KR" altLang="en-US" smtClean="0"/>
-              <a:t>2020. 4. 11.</a:t>
+              <a:t>2020-04-12</a:t>
             </a:fld>
             <a:endParaRPr lang="ko-KR" altLang="en-US"/>
           </a:p>
@@ -3110,7 +2994,7 @@
           <a:p>
             <a:fld id="{338A41CD-37ED-43DB-9E9F-403BF901A9EB}" type="datetimeFigureOut">
               <a:rPr lang="ko-KR" altLang="en-US" smtClean="0"/>
-              <a:t>2020. 4. 11.</a:t>
+              <a:t>2020-04-12</a:t>
             </a:fld>
             <a:endParaRPr lang="ko-KR" altLang="en-US"/>
           </a:p>
@@ -3321,7 +3205,7 @@
           <a:p>
             <a:fld id="{338A41CD-37ED-43DB-9E9F-403BF901A9EB}" type="datetimeFigureOut">
               <a:rPr lang="ko-KR" altLang="en-US" smtClean="0"/>
-              <a:t>2020. 4. 11.</a:t>
+              <a:t>2020-04-12</a:t>
             </a:fld>
             <a:endParaRPr lang="ko-KR" altLang="en-US"/>
           </a:p>
@@ -12787,7 +12671,7 @@
         </p:nvSpPr>
         <p:spPr>
           <a:xfrm>
-            <a:off x="2122038" y="3841910"/>
+            <a:off x="2122038" y="3870717"/>
             <a:ext cx="566181" cy="369332"/>
           </a:xfrm>
           <a:prstGeom prst="rect">
@@ -13085,7 +12969,7 @@
         </p:nvCxnSpPr>
         <p:spPr>
           <a:xfrm>
-            <a:off x="7939056" y="3638171"/>
+            <a:off x="7978742" y="3626110"/>
             <a:ext cx="1253835" cy="0"/>
           </a:xfrm>
           <a:prstGeom prst="straightConnector1">
@@ -13236,8 +13120,8 @@
           </a:p>
         </p:txBody>
       </p:sp>
-      <mc:AlternateContent xmlns:mc="http://schemas.openxmlformats.org/markup-compatibility/2006" xmlns:a14="http://schemas.microsoft.com/office/drawing/2010/main">
-        <mc:Choice Requires="a14">
+      <mc:AlternateContent xmlns:mc="http://schemas.openxmlformats.org/markup-compatibility/2006">
+        <mc:Choice xmlns:a14="http://schemas.microsoft.com/office/drawing/2010/main" Requires="a14">
           <p:sp>
             <p:nvSpPr>
               <p:cNvPr id="74" name="직사각형 73">
@@ -13252,7 +13136,7 @@
             </p:nvSpPr>
             <p:spPr>
               <a:xfrm>
-                <a:off x="2265748" y="4198615"/>
+                <a:off x="2265748" y="4227422"/>
                 <a:ext cx="438197" cy="369332"/>
               </a:xfrm>
               <a:prstGeom prst="rect">
@@ -13286,7 +13170,7 @@
             </p:txBody>
           </p:sp>
         </mc:Choice>
-        <mc:Fallback xmlns="">
+        <mc:Fallback>
           <p:sp>
             <p:nvSpPr>
               <p:cNvPr id="74" name="직사각형 73">
@@ -13303,7 +13187,7 @@
             </p:nvSpPr>
             <p:spPr>
               <a:xfrm>
-                <a:off x="2265748" y="4198615"/>
+                <a:off x="2265748" y="4227422"/>
                 <a:ext cx="438197" cy="369332"/>
               </a:xfrm>
               <a:prstGeom prst="rect">
@@ -13345,7 +13229,7 @@
         </p:nvGrpSpPr>
         <p:grpSpPr>
           <a:xfrm>
-            <a:off x="3384334" y="4069225"/>
+            <a:off x="3384334" y="4098032"/>
             <a:ext cx="400110" cy="400110"/>
             <a:chOff x="2610694" y="3622995"/>
             <a:chExt cx="400110" cy="400110"/>
@@ -13504,7 +13388,7 @@
         </p:nvSpPr>
         <p:spPr>
           <a:xfrm>
-            <a:off x="2676835" y="4005085"/>
+            <a:off x="2676835" y="4033892"/>
             <a:ext cx="754144" cy="94268"/>
           </a:xfrm>
           <a:custGeom>
@@ -13591,7 +13475,7 @@
         </p:nvSpPr>
         <p:spPr>
           <a:xfrm flipV="1">
-            <a:off x="2648024" y="4336147"/>
+            <a:off x="2648024" y="4364954"/>
             <a:ext cx="754144" cy="94268"/>
           </a:xfrm>
           <a:custGeom>
@@ -13666,119 +13550,6 @@
       </p:sp>
       <p:sp>
         <p:nvSpPr>
-          <p:cNvPr id="81" name="자유형: 도형 80">
-            <a:extLst>
-              <a:ext uri="{FF2B5EF4-FFF2-40B4-BE49-F238E27FC236}">
-                <a16:creationId xmlns:a16="http://schemas.microsoft.com/office/drawing/2014/main" id="{DDE33C73-83CF-4A53-8611-E20E2CE1687A}"/>
-              </a:ext>
-            </a:extLst>
-          </p:cNvPr>
-          <p:cNvSpPr/>
-          <p:nvPr/>
-        </p:nvSpPr>
-        <p:spPr>
-          <a:xfrm flipV="1">
-            <a:off x="3770344" y="4205438"/>
-            <a:ext cx="1746258" cy="83223"/>
-          </a:xfrm>
-          <a:custGeom>
-            <a:avLst/>
-            <a:gdLst>
-              <a:gd name="connsiteX0" fmla="*/ 0 w 1875934"/>
-              <a:gd name="connsiteY0" fmla="*/ 0 h 0"/>
-              <a:gd name="connsiteX1" fmla="*/ 1875934 w 1875934"/>
-              <a:gd name="connsiteY1" fmla="*/ 0 h 0"/>
-            </a:gdLst>
-            <a:ahLst/>
-            <a:cxnLst>
-              <a:cxn ang="0">
-                <a:pos x="connsiteX0" y="connsiteY0"/>
-              </a:cxn>
-              <a:cxn ang="0">
-                <a:pos x="connsiteX1" y="connsiteY1"/>
-              </a:cxn>
-            </a:cxnLst>
-            <a:rect l="l" t="t" r="r" b="b"/>
-            <a:pathLst>
-              <a:path w="1875934">
-                <a:moveTo>
-                  <a:pt x="0" y="0"/>
-                </a:moveTo>
-                <a:lnTo>
-                  <a:pt x="1875934" y="0"/>
-                </a:lnTo>
-              </a:path>
-            </a:pathLst>
-          </a:custGeom>
-          <a:noFill/>
-          <a:ln w="9525">
-            <a:tailEnd type="arrow"/>
-          </a:ln>
-        </p:spPr>
-        <p:style>
-          <a:lnRef idx="2">
-            <a:schemeClr val="accent1">
-              <a:shade val="50000"/>
-            </a:schemeClr>
-          </a:lnRef>
-          <a:fillRef idx="1">
-            <a:schemeClr val="accent1"/>
-          </a:fillRef>
-          <a:effectRef idx="0">
-            <a:schemeClr val="accent1"/>
-          </a:effectRef>
-          <a:fontRef idx="minor">
-            <a:schemeClr val="lt1"/>
-          </a:fontRef>
-        </p:style>
-        <p:txBody>
-          <a:bodyPr rtlCol="0" anchor="ctr"/>
-          <a:lstStyle/>
-          <a:p>
-            <a:pPr algn="ctr"/>
-            <a:endParaRPr lang="ko-KR" altLang="en-US"/>
-          </a:p>
-        </p:txBody>
-      </p:sp>
-      <p:sp>
-        <p:nvSpPr>
-          <p:cNvPr id="82" name="직사각형 81">
-            <a:extLst>
-              <a:ext uri="{FF2B5EF4-FFF2-40B4-BE49-F238E27FC236}">
-                <a16:creationId xmlns:a16="http://schemas.microsoft.com/office/drawing/2014/main" id="{9F38B81D-CD2F-46E5-AA37-56FC02543659}"/>
-              </a:ext>
-            </a:extLst>
-          </p:cNvPr>
-          <p:cNvSpPr/>
-          <p:nvPr/>
-        </p:nvSpPr>
-        <p:spPr>
-          <a:xfrm>
-            <a:off x="5497991" y="4084614"/>
-            <a:ext cx="566181" cy="369332"/>
-          </a:xfrm>
-          <a:prstGeom prst="rect">
-            <a:avLst/>
-          </a:prstGeom>
-        </p:spPr>
-        <p:txBody>
-          <a:bodyPr wrap="none">
-            <a:spAutoFit/>
-          </a:bodyPr>
-          <a:lstStyle/>
-          <a:p>
-            <a:r>
-              <a:rPr lang="en-US" altLang="ko-KR" dirty="0">
-                <a:ea typeface="한컴 윤고딕 240" pitchFamily="18" charset="-127"/>
-              </a:rPr>
-              <a:t>y[0]</a:t>
-            </a:r>
-            <a:endParaRPr lang="ko-KR" altLang="en-US" dirty="0"/>
-          </a:p>
-        </p:txBody>
-      </p:sp>
-      <p:sp>
-        <p:nvSpPr>
           <p:cNvPr id="85" name="자유형: 도형 84">
             <a:extLst>
               <a:ext uri="{FF2B5EF4-FFF2-40B4-BE49-F238E27FC236}">
@@ -13875,8 +13646,8 @@
         </p:nvSpPr>
         <p:spPr>
           <a:xfrm>
-            <a:off x="5995070" y="3789040"/>
-            <a:ext cx="1640264" cy="509047"/>
+            <a:off x="3784444" y="3770462"/>
+            <a:ext cx="3833874" cy="527626"/>
           </a:xfrm>
           <a:custGeom>
             <a:avLst/>
@@ -16475,231 +16246,6 @@
           </a:p>
         </p:txBody>
       </p:sp>
-      <p:grpSp>
-        <p:nvGrpSpPr>
-          <p:cNvPr id="15" name="Group 14">
-            <a:extLst>
-              <a:ext uri="{FF2B5EF4-FFF2-40B4-BE49-F238E27FC236}">
-                <a16:creationId xmlns:a16="http://schemas.microsoft.com/office/drawing/2014/main" id="{67A3D8F3-93FF-E94F-8BCC-E5A83DC33228}"/>
-              </a:ext>
-            </a:extLst>
-          </p:cNvPr>
-          <p:cNvGrpSpPr/>
-          <p:nvPr/>
-        </p:nvGrpSpPr>
-        <p:grpSpPr>
-          <a:xfrm>
-            <a:off x="1779703" y="1659666"/>
-            <a:ext cx="8735400" cy="4743720"/>
-            <a:chOff x="1779703" y="1659666"/>
-            <a:chExt cx="8735400" cy="4743720"/>
-          </a:xfrm>
-        </p:grpSpPr>
-        <mc:AlternateContent xmlns:mc="http://schemas.openxmlformats.org/markup-compatibility/2006">
-          <mc:Choice xmlns:p14="http://schemas.microsoft.com/office/powerpoint/2010/main" Requires="p14">
-            <p:contentPart p14:bwMode="auto" r:id="rId4">
-              <p14:nvContentPartPr>
-                <p14:cNvPr id="2" name="Ink 1">
-                  <a:extLst>
-                    <a:ext uri="{FF2B5EF4-FFF2-40B4-BE49-F238E27FC236}">
-                      <a16:creationId xmlns:a16="http://schemas.microsoft.com/office/drawing/2014/main" id="{5F7F20D1-C7B6-6746-9841-D9CC041E2A63}"/>
-                    </a:ext>
-                  </a:extLst>
-                </p14:cNvPr>
-                <p14:cNvContentPartPr/>
-                <p14:nvPr/>
-              </p14:nvContentPartPr>
-              <p14:xfrm>
-                <a:off x="1779703" y="4911546"/>
-                <a:ext cx="3708720" cy="1491840"/>
-              </p14:xfrm>
-            </p:contentPart>
-          </mc:Choice>
-          <mc:Fallback>
-            <p:pic>
-              <p:nvPicPr>
-                <p:cNvPr id="2" name="Ink 1">
-                  <a:extLst>
-                    <a:ext uri="{FF2B5EF4-FFF2-40B4-BE49-F238E27FC236}">
-                      <a16:creationId xmlns:a16="http://schemas.microsoft.com/office/drawing/2014/main" id="{5F7F20D1-C7B6-6746-9841-D9CC041E2A63}"/>
-                    </a:ext>
-                  </a:extLst>
-                </p:cNvPr>
-                <p:cNvPicPr/>
-                <p:nvPr/>
-              </p:nvPicPr>
-              <p:blipFill>
-                <a:blip r:embed="rId5"/>
-                <a:stretch>
-                  <a:fillRect/>
-                </a:stretch>
-              </p:blipFill>
-              <p:spPr>
-                <a:xfrm>
-                  <a:off x="1771063" y="4902906"/>
-                  <a:ext cx="3726360" cy="1509480"/>
-                </a:xfrm>
-                <a:prstGeom prst="rect">
-                  <a:avLst/>
-                </a:prstGeom>
-              </p:spPr>
-            </p:pic>
-          </mc:Fallback>
-        </mc:AlternateContent>
-        <mc:AlternateContent xmlns:mc="http://schemas.openxmlformats.org/markup-compatibility/2006">
-          <mc:Choice xmlns:p14="http://schemas.microsoft.com/office/powerpoint/2010/main" Requires="p14">
-            <p:contentPart p14:bwMode="auto" r:id="rId6">
-              <p14:nvContentPartPr>
-                <p14:cNvPr id="3" name="Ink 2">
-                  <a:extLst>
-                    <a:ext uri="{FF2B5EF4-FFF2-40B4-BE49-F238E27FC236}">
-                      <a16:creationId xmlns:a16="http://schemas.microsoft.com/office/drawing/2014/main" id="{C6F15278-CD01-1E4D-9220-3BEF9CE7A100}"/>
-                    </a:ext>
-                  </a:extLst>
-                </p14:cNvPr>
-                <p14:cNvContentPartPr/>
-                <p14:nvPr/>
-              </p14:nvContentPartPr>
-              <p14:xfrm>
-                <a:off x="5450623" y="4381986"/>
-                <a:ext cx="4835160" cy="1945080"/>
-              </p14:xfrm>
-            </p:contentPart>
-          </mc:Choice>
-          <mc:Fallback>
-            <p:pic>
-              <p:nvPicPr>
-                <p:cNvPr id="3" name="Ink 2">
-                  <a:extLst>
-                    <a:ext uri="{FF2B5EF4-FFF2-40B4-BE49-F238E27FC236}">
-                      <a16:creationId xmlns:a16="http://schemas.microsoft.com/office/drawing/2014/main" id="{C6F15278-CD01-1E4D-9220-3BEF9CE7A100}"/>
-                    </a:ext>
-                  </a:extLst>
-                </p:cNvPr>
-                <p:cNvPicPr/>
-                <p:nvPr/>
-              </p:nvPicPr>
-              <p:blipFill>
-                <a:blip r:embed="rId7"/>
-                <a:stretch>
-                  <a:fillRect/>
-                </a:stretch>
-              </p:blipFill>
-              <p:spPr>
-                <a:xfrm>
-                  <a:off x="5441623" y="4373346"/>
-                  <a:ext cx="4852800" cy="1962720"/>
-                </a:xfrm>
-                <a:prstGeom prst="rect">
-                  <a:avLst/>
-                </a:prstGeom>
-              </p:spPr>
-            </p:pic>
-          </mc:Fallback>
-        </mc:AlternateContent>
-        <mc:AlternateContent xmlns:mc="http://schemas.openxmlformats.org/markup-compatibility/2006">
-          <mc:Choice xmlns:p14="http://schemas.microsoft.com/office/powerpoint/2010/main" Requires="p14">
-            <p:contentPart p14:bwMode="auto" r:id="rId8">
-              <p14:nvContentPartPr>
-                <p14:cNvPr id="8" name="Ink 7">
-                  <a:extLst>
-                    <a:ext uri="{FF2B5EF4-FFF2-40B4-BE49-F238E27FC236}">
-                      <a16:creationId xmlns:a16="http://schemas.microsoft.com/office/drawing/2014/main" id="{B4433267-1FEA-2E46-8FB8-92C293B77CA0}"/>
-                    </a:ext>
-                  </a:extLst>
-                </p14:cNvPr>
-                <p14:cNvContentPartPr/>
-                <p14:nvPr/>
-              </p14:nvContentPartPr>
-              <p14:xfrm>
-                <a:off x="4532263" y="2094906"/>
-                <a:ext cx="5340600" cy="2929680"/>
-              </p14:xfrm>
-            </p:contentPart>
-          </mc:Choice>
-          <mc:Fallback>
-            <p:pic>
-              <p:nvPicPr>
-                <p:cNvPr id="8" name="Ink 7">
-                  <a:extLst>
-                    <a:ext uri="{FF2B5EF4-FFF2-40B4-BE49-F238E27FC236}">
-                      <a16:creationId xmlns:a16="http://schemas.microsoft.com/office/drawing/2014/main" id="{B4433267-1FEA-2E46-8FB8-92C293B77CA0}"/>
-                    </a:ext>
-                  </a:extLst>
-                </p:cNvPr>
-                <p:cNvPicPr/>
-                <p:nvPr/>
-              </p:nvPicPr>
-              <p:blipFill>
-                <a:blip r:embed="rId9"/>
-                <a:stretch>
-                  <a:fillRect/>
-                </a:stretch>
-              </p:blipFill>
-              <p:spPr>
-                <a:xfrm>
-                  <a:off x="4523623" y="2086266"/>
-                  <a:ext cx="5358240" cy="2947320"/>
-                </a:xfrm>
-                <a:prstGeom prst="rect">
-                  <a:avLst/>
-                </a:prstGeom>
-              </p:spPr>
-            </p:pic>
-          </mc:Fallback>
-        </mc:AlternateContent>
-        <mc:AlternateContent xmlns:mc="http://schemas.openxmlformats.org/markup-compatibility/2006">
-          <mc:Choice xmlns:p14="http://schemas.microsoft.com/office/powerpoint/2010/main" Requires="p14">
-            <p:contentPart p14:bwMode="auto" r:id="rId10">
-              <p14:nvContentPartPr>
-                <p14:cNvPr id="14" name="Ink 13">
-                  <a:extLst>
-                    <a:ext uri="{FF2B5EF4-FFF2-40B4-BE49-F238E27FC236}">
-                      <a16:creationId xmlns:a16="http://schemas.microsoft.com/office/drawing/2014/main" id="{820DC717-BAF8-C349-8087-1B7A4FAD40EC}"/>
-                    </a:ext>
-                  </a:extLst>
-                </p14:cNvPr>
-                <p14:cNvContentPartPr/>
-                <p14:nvPr/>
-              </p14:nvContentPartPr>
-              <p14:xfrm>
-                <a:off x="8302543" y="1659666"/>
-                <a:ext cx="2212560" cy="2888280"/>
-              </p14:xfrm>
-            </p:contentPart>
-          </mc:Choice>
-          <mc:Fallback>
-            <p:pic>
-              <p:nvPicPr>
-                <p:cNvPr id="14" name="Ink 13">
-                  <a:extLst>
-                    <a:ext uri="{FF2B5EF4-FFF2-40B4-BE49-F238E27FC236}">
-                      <a16:creationId xmlns:a16="http://schemas.microsoft.com/office/drawing/2014/main" id="{820DC717-BAF8-C349-8087-1B7A4FAD40EC}"/>
-                    </a:ext>
-                  </a:extLst>
-                </p:cNvPr>
-                <p:cNvPicPr/>
-                <p:nvPr/>
-              </p:nvPicPr>
-              <p:blipFill>
-                <a:blip r:embed="rId11"/>
-                <a:stretch>
-                  <a:fillRect/>
-                </a:stretch>
-              </p:blipFill>
-              <p:spPr>
-                <a:xfrm>
-                  <a:off x="8293903" y="1650666"/>
-                  <a:ext cx="2230200" cy="2905920"/>
-                </a:xfrm>
-                <a:prstGeom prst="rect">
-                  <a:avLst/>
-                </a:prstGeom>
-              </p:spPr>
-            </p:pic>
-          </mc:Fallback>
-        </mc:AlternateContent>
-      </p:grpSp>
       <p:sp>
         <p:nvSpPr>
           <p:cNvPr id="17" name="TextBox 16">
@@ -16735,6 +16281,199 @@
           </a:p>
         </p:txBody>
       </p:sp>
+      <p:sp>
+        <p:nvSpPr>
+          <p:cNvPr id="6" name="타원 5">
+            <a:extLst>
+              <a:ext uri="{FF2B5EF4-FFF2-40B4-BE49-F238E27FC236}">
+                <a16:creationId xmlns:a16="http://schemas.microsoft.com/office/drawing/2014/main" id="{E01004E9-FF26-4E70-A34A-DD2C547C556C}"/>
+              </a:ext>
+            </a:extLst>
+          </p:cNvPr>
+          <p:cNvSpPr/>
+          <p:nvPr/>
+        </p:nvSpPr>
+        <p:spPr>
+          <a:xfrm>
+            <a:off x="1621482" y="4830151"/>
+            <a:ext cx="3600400" cy="1308687"/>
+          </a:xfrm>
+          <a:prstGeom prst="ellipse">
+            <a:avLst/>
+          </a:prstGeom>
+          <a:noFill/>
+          <a:ln>
+            <a:solidFill>
+              <a:schemeClr val="tx1"/>
+            </a:solidFill>
+          </a:ln>
+        </p:spPr>
+        <p:style>
+          <a:lnRef idx="2">
+            <a:schemeClr val="accent1">
+              <a:shade val="50000"/>
+            </a:schemeClr>
+          </a:lnRef>
+          <a:fillRef idx="1">
+            <a:schemeClr val="accent1"/>
+          </a:fillRef>
+          <a:effectRef idx="0">
+            <a:schemeClr val="accent1"/>
+          </a:effectRef>
+          <a:fontRef idx="minor">
+            <a:schemeClr val="lt1"/>
+          </a:fontRef>
+        </p:style>
+        <p:txBody>
+          <a:bodyPr rtlCol="0" anchor="ctr"/>
+          <a:lstStyle/>
+          <a:p>
+            <a:pPr algn="ctr"/>
+            <a:endParaRPr lang="ko-KR" altLang="en-US"/>
+          </a:p>
+        </p:txBody>
+      </p:sp>
+      <p:sp>
+        <p:nvSpPr>
+          <p:cNvPr id="16" name="타원 15">
+            <a:extLst>
+              <a:ext uri="{FF2B5EF4-FFF2-40B4-BE49-F238E27FC236}">
+                <a16:creationId xmlns:a16="http://schemas.microsoft.com/office/drawing/2014/main" id="{5D1C4628-321F-4CD8-85C8-86DE11F1F5A7}"/>
+              </a:ext>
+            </a:extLst>
+          </p:cNvPr>
+          <p:cNvSpPr/>
+          <p:nvPr/>
+        </p:nvSpPr>
+        <p:spPr>
+          <a:xfrm>
+            <a:off x="5966063" y="4830150"/>
+            <a:ext cx="3600400" cy="1308687"/>
+          </a:xfrm>
+          <a:prstGeom prst="ellipse">
+            <a:avLst/>
+          </a:prstGeom>
+          <a:noFill/>
+          <a:ln>
+            <a:solidFill>
+              <a:schemeClr val="tx1"/>
+            </a:solidFill>
+          </a:ln>
+        </p:spPr>
+        <p:style>
+          <a:lnRef idx="2">
+            <a:schemeClr val="accent1">
+              <a:shade val="50000"/>
+            </a:schemeClr>
+          </a:lnRef>
+          <a:fillRef idx="1">
+            <a:schemeClr val="accent1"/>
+          </a:fillRef>
+          <a:effectRef idx="0">
+            <a:schemeClr val="accent1"/>
+          </a:effectRef>
+          <a:fontRef idx="minor">
+            <a:schemeClr val="lt1"/>
+          </a:fontRef>
+        </p:style>
+        <p:txBody>
+          <a:bodyPr rtlCol="0" anchor="ctr"/>
+          <a:lstStyle/>
+          <a:p>
+            <a:pPr algn="ctr"/>
+            <a:endParaRPr lang="ko-KR" altLang="en-US"/>
+          </a:p>
+        </p:txBody>
+      </p:sp>
+      <p:cxnSp>
+        <p:nvCxnSpPr>
+          <p:cNvPr id="18" name="직선 화살표 연결선 17">
+            <a:extLst>
+              <a:ext uri="{FF2B5EF4-FFF2-40B4-BE49-F238E27FC236}">
+                <a16:creationId xmlns:a16="http://schemas.microsoft.com/office/drawing/2014/main" id="{7163992E-C595-47C2-86A4-6AF1EC1B5E2C}"/>
+              </a:ext>
+            </a:extLst>
+          </p:cNvPr>
+          <p:cNvCxnSpPr>
+            <a:stCxn id="6" idx="7"/>
+          </p:cNvCxnSpPr>
+          <p:nvPr/>
+        </p:nvCxnSpPr>
+        <p:spPr>
+          <a:xfrm flipV="1">
+            <a:off x="4694616" y="1556792"/>
+            <a:ext cx="5332902" cy="3465012"/>
+          </a:xfrm>
+          <a:prstGeom prst="straightConnector1">
+            <a:avLst/>
+          </a:prstGeom>
+          <a:ln w="28575">
+            <a:solidFill>
+              <a:schemeClr val="tx1"/>
+            </a:solidFill>
+            <a:tailEnd type="triangle"/>
+          </a:ln>
+        </p:spPr>
+        <p:style>
+          <a:lnRef idx="1">
+            <a:schemeClr val="dk1"/>
+          </a:lnRef>
+          <a:fillRef idx="0">
+            <a:schemeClr val="dk1"/>
+          </a:fillRef>
+          <a:effectRef idx="0">
+            <a:schemeClr val="dk1"/>
+          </a:effectRef>
+          <a:fontRef idx="minor">
+            <a:schemeClr val="tx1"/>
+          </a:fontRef>
+        </p:style>
+      </p:cxnSp>
+      <p:cxnSp>
+        <p:nvCxnSpPr>
+          <p:cNvPr id="20" name="직선 화살표 연결선 19">
+            <a:extLst>
+              <a:ext uri="{FF2B5EF4-FFF2-40B4-BE49-F238E27FC236}">
+                <a16:creationId xmlns:a16="http://schemas.microsoft.com/office/drawing/2014/main" id="{1294C1D4-9EC8-457D-8B56-0072F249F681}"/>
+              </a:ext>
+            </a:extLst>
+          </p:cNvPr>
+          <p:cNvCxnSpPr>
+            <a:cxnSpLocks/>
+            <a:stCxn id="16" idx="7"/>
+          </p:cNvCxnSpPr>
+          <p:nvPr/>
+        </p:nvCxnSpPr>
+        <p:spPr>
+          <a:xfrm flipV="1">
+            <a:off x="9039197" y="1680651"/>
+            <a:ext cx="1174866" cy="3341152"/>
+          </a:xfrm>
+          <a:prstGeom prst="straightConnector1">
+            <a:avLst/>
+          </a:prstGeom>
+          <a:ln w="28575">
+            <a:solidFill>
+              <a:schemeClr val="tx1"/>
+            </a:solidFill>
+            <a:tailEnd type="triangle"/>
+          </a:ln>
+        </p:spPr>
+        <p:style>
+          <a:lnRef idx="1">
+            <a:schemeClr val="accent1"/>
+          </a:lnRef>
+          <a:fillRef idx="0">
+            <a:schemeClr val="accent1"/>
+          </a:fillRef>
+          <a:effectRef idx="0">
+            <a:schemeClr val="accent1"/>
+          </a:effectRef>
+          <a:fontRef idx="minor">
+            <a:schemeClr val="tx1"/>
+          </a:fontRef>
+        </p:style>
+      </p:cxnSp>
     </p:spTree>
     <p:extLst>
       <p:ext uri="{BB962C8B-B14F-4D97-AF65-F5344CB8AC3E}">
@@ -16845,539 +16584,6 @@
               <a:rPr lang="en-US" altLang="ko-KR" dirty="0"/>
               <a:t>Total LUT : 1928</a:t>
             </a:r>
-          </a:p>
-          <a:p>
-            <a:r>
-              <a:rPr lang="en-US" altLang="ko-KR" dirty="0"/>
-              <a:t>Total Cycle : 26</a:t>
-            </a:r>
-            <a:endParaRPr lang="ko-KR" altLang="en-US" dirty="0"/>
-          </a:p>
-        </p:txBody>
-      </p:sp>
-      <p:sp>
-        <p:nvSpPr>
-          <p:cNvPr id="4" name="직사각형 3">
-            <a:extLst>
-              <a:ext uri="{FF2B5EF4-FFF2-40B4-BE49-F238E27FC236}">
-                <a16:creationId xmlns:a16="http://schemas.microsoft.com/office/drawing/2014/main" id="{4B599247-DE3D-48E2-BE94-29608FC2E0EC}"/>
-              </a:ext>
-            </a:extLst>
-          </p:cNvPr>
-          <p:cNvSpPr/>
-          <p:nvPr/>
-        </p:nvSpPr>
-        <p:spPr>
-          <a:xfrm>
-            <a:off x="560262" y="111966"/>
-            <a:ext cx="8983312" cy="523220"/>
-          </a:xfrm>
-          <a:prstGeom prst="rect">
-            <a:avLst/>
-          </a:prstGeom>
-        </p:spPr>
-        <p:txBody>
-          <a:bodyPr wrap="square">
-            <a:spAutoFit/>
-          </a:bodyPr>
-          <a:lstStyle/>
-          <a:p>
-            <a:r>
-              <a:rPr lang="en-US" altLang="ko-KR" sz="2800" b="1" dirty="0">
-                <a:solidFill>
-                  <a:schemeClr val="tx1">
-                    <a:lumMod val="75000"/>
-                    <a:lumOff val="25000"/>
-                  </a:schemeClr>
-                </a:solidFill>
-                <a:latin typeface="한컴 윤고딕 230" panose="02020603020101020101" pitchFamily="18" charset="-127"/>
-                <a:ea typeface="한컴 윤고딕 230" panose="02020603020101020101" pitchFamily="18" charset="-127"/>
-                <a:cs typeface="Arial" pitchFamily="34" charset="0"/>
-              </a:rPr>
-              <a:t>Synthesis (LPF)</a:t>
-            </a:r>
-            <a:r>
-              <a:rPr lang="en-US" altLang="ko-KR" b="1" dirty="0">
-                <a:solidFill>
-                  <a:schemeClr val="bg1">
-                    <a:lumMod val="65000"/>
-                  </a:schemeClr>
-                </a:solidFill>
-                <a:latin typeface="한컴 윤고딕 230" panose="02020603020101020101" pitchFamily="18" charset="-127"/>
-                <a:ea typeface="한컴 윤고딕 230" panose="02020603020101020101" pitchFamily="18" charset="-127"/>
-                <a:cs typeface="Arial" pitchFamily="34" charset="0"/>
-              </a:rPr>
-              <a:t> </a:t>
-            </a:r>
-            <a:r>
-              <a:rPr lang="en-US" altLang="ko-KR" b="1" dirty="0" err="1">
-                <a:solidFill>
-                  <a:schemeClr val="bg1">
-                    <a:lumMod val="65000"/>
-                  </a:schemeClr>
-                </a:solidFill>
-                <a:latin typeface="한컴 윤고딕 230" panose="02020603020101020101" pitchFamily="18" charset="-127"/>
-                <a:ea typeface="한컴 윤고딕 230" panose="02020603020101020101" pitchFamily="18" charset="-127"/>
-                <a:cs typeface="Arial" pitchFamily="34" charset="0"/>
-              </a:rPr>
-              <a:t>Vivado</a:t>
-            </a:r>
-            <a:r>
-              <a:rPr lang="en-US" altLang="ko-KR" b="1" dirty="0">
-                <a:solidFill>
-                  <a:schemeClr val="bg1">
-                    <a:lumMod val="65000"/>
-                  </a:schemeClr>
-                </a:solidFill>
-                <a:latin typeface="한컴 윤고딕 230" panose="02020603020101020101" pitchFamily="18" charset="-127"/>
-                <a:ea typeface="한컴 윤고딕 230" panose="02020603020101020101" pitchFamily="18" charset="-127"/>
-                <a:cs typeface="Arial" pitchFamily="34" charset="0"/>
-              </a:rPr>
-              <a:t> HLS (Xilinx) vs</a:t>
-            </a:r>
-            <a:r>
-              <a:rPr lang="ko-KR" altLang="en-US" b="1" dirty="0">
-                <a:solidFill>
-                  <a:schemeClr val="bg1">
-                    <a:lumMod val="65000"/>
-                  </a:schemeClr>
-                </a:solidFill>
-                <a:latin typeface="한컴 윤고딕 230" panose="02020603020101020101" pitchFamily="18" charset="-127"/>
-                <a:ea typeface="한컴 윤고딕 230" panose="02020603020101020101" pitchFamily="18" charset="-127"/>
-                <a:cs typeface="Arial" pitchFamily="34" charset="0"/>
-              </a:rPr>
-              <a:t> </a:t>
-            </a:r>
-            <a:r>
-              <a:rPr lang="en-US" altLang="ko-KR" b="1" dirty="0">
-                <a:solidFill>
-                  <a:schemeClr val="bg1">
-                    <a:lumMod val="65000"/>
-                  </a:schemeClr>
-                </a:solidFill>
-                <a:latin typeface="한컴 윤고딕 230" panose="02020603020101020101" pitchFamily="18" charset="-127"/>
-                <a:ea typeface="한컴 윤고딕 230" panose="02020603020101020101" pitchFamily="18" charset="-127"/>
-                <a:cs typeface="Arial" pitchFamily="34" charset="0"/>
-              </a:rPr>
-              <a:t>direct coded Verilog</a:t>
-            </a:r>
-            <a:endParaRPr lang="ko-KR" altLang="en-US" b="1" dirty="0">
-              <a:solidFill>
-                <a:schemeClr val="bg1">
-                  <a:lumMod val="65000"/>
-                </a:schemeClr>
-              </a:solidFill>
-              <a:latin typeface="한컴 윤고딕 230" panose="02020603020101020101" pitchFamily="18" charset="-127"/>
-              <a:ea typeface="한컴 윤고딕 230" panose="02020603020101020101" pitchFamily="18" charset="-127"/>
-              <a:cs typeface="Arial" pitchFamily="34" charset="0"/>
-            </a:endParaRPr>
-          </a:p>
-        </p:txBody>
-      </p:sp>
-      <p:sp>
-        <p:nvSpPr>
-          <p:cNvPr id="12" name="직사각형 11">
-            <a:extLst>
-              <a:ext uri="{FF2B5EF4-FFF2-40B4-BE49-F238E27FC236}">
-                <a16:creationId xmlns:a16="http://schemas.microsoft.com/office/drawing/2014/main" id="{0C24079A-0839-4AB4-8221-FEB4D69D84BD}"/>
-              </a:ext>
-            </a:extLst>
-          </p:cNvPr>
-          <p:cNvSpPr/>
-          <p:nvPr/>
-        </p:nvSpPr>
-        <p:spPr>
-          <a:xfrm>
-            <a:off x="177462" y="111966"/>
-            <a:ext cx="12080498" cy="6597352"/>
-          </a:xfrm>
-          <a:prstGeom prst="rect">
-            <a:avLst/>
-          </a:prstGeom>
-          <a:noFill/>
-          <a:ln w="28575">
-            <a:solidFill>
-              <a:schemeClr val="accent3">
-                <a:lumMod val="20000"/>
-                <a:lumOff val="80000"/>
-              </a:schemeClr>
-            </a:solidFill>
-          </a:ln>
-        </p:spPr>
-        <p:style>
-          <a:lnRef idx="2">
-            <a:schemeClr val="accent1">
-              <a:shade val="50000"/>
-            </a:schemeClr>
-          </a:lnRef>
-          <a:fillRef idx="1">
-            <a:schemeClr val="accent1"/>
-          </a:fillRef>
-          <a:effectRef idx="0">
-            <a:schemeClr val="accent1"/>
-          </a:effectRef>
-          <a:fontRef idx="minor">
-            <a:schemeClr val="lt1"/>
-          </a:fontRef>
-        </p:style>
-        <p:txBody>
-          <a:bodyPr rtlCol="0" anchor="ctr"/>
-          <a:lstStyle/>
-          <a:p>
-            <a:pPr algn="ctr"/>
-            <a:endParaRPr lang="ko-KR" altLang="en-US"/>
-          </a:p>
-        </p:txBody>
-      </p:sp>
-      <p:sp>
-        <p:nvSpPr>
-          <p:cNvPr id="14" name="직사각형 13">
-            <a:extLst>
-              <a:ext uri="{FF2B5EF4-FFF2-40B4-BE49-F238E27FC236}">
-                <a16:creationId xmlns:a16="http://schemas.microsoft.com/office/drawing/2014/main" id="{BE60BD56-A6E7-446F-8DEB-E3D6E82817EF}"/>
-              </a:ext>
-            </a:extLst>
-          </p:cNvPr>
-          <p:cNvSpPr/>
-          <p:nvPr/>
-        </p:nvSpPr>
-        <p:spPr>
-          <a:xfrm>
-            <a:off x="189964" y="111966"/>
-            <a:ext cx="195645" cy="518931"/>
-          </a:xfrm>
-          <a:prstGeom prst="rect">
-            <a:avLst/>
-          </a:prstGeom>
-          <a:solidFill>
-            <a:schemeClr val="accent3">
-              <a:lumMod val="75000"/>
-            </a:schemeClr>
-          </a:solidFill>
-          <a:ln>
-            <a:solidFill>
-              <a:schemeClr val="accent3">
-                <a:lumMod val="75000"/>
-              </a:schemeClr>
-            </a:solidFill>
-          </a:ln>
-        </p:spPr>
-        <p:style>
-          <a:lnRef idx="2">
-            <a:schemeClr val="accent1">
-              <a:shade val="50000"/>
-            </a:schemeClr>
-          </a:lnRef>
-          <a:fillRef idx="1">
-            <a:schemeClr val="accent1"/>
-          </a:fillRef>
-          <a:effectRef idx="0">
-            <a:schemeClr val="accent1"/>
-          </a:effectRef>
-          <a:fontRef idx="minor">
-            <a:schemeClr val="lt1"/>
-          </a:fontRef>
-        </p:style>
-        <p:txBody>
-          <a:bodyPr rtlCol="0" anchor="ctr"/>
-          <a:lstStyle/>
-          <a:p>
-            <a:pPr algn="ctr"/>
-            <a:endParaRPr lang="ko-KR" altLang="en-US">
-              <a:solidFill>
-                <a:srgbClr val="FF0000"/>
-              </a:solidFill>
-            </a:endParaRPr>
-          </a:p>
-        </p:txBody>
-      </p:sp>
-      <p:pic>
-        <p:nvPicPr>
-          <p:cNvPr id="2" name="그림 1">
-            <a:extLst>
-              <a:ext uri="{FF2B5EF4-FFF2-40B4-BE49-F238E27FC236}">
-                <a16:creationId xmlns:a16="http://schemas.microsoft.com/office/drawing/2014/main" id="{3C777E33-0584-466D-9005-E3F0FF26F208}"/>
-              </a:ext>
-            </a:extLst>
-          </p:cNvPr>
-          <p:cNvPicPr>
-            <a:picLocks noChangeAspect="1"/>
-          </p:cNvPicPr>
-          <p:nvPr/>
-        </p:nvPicPr>
-        <p:blipFill>
-          <a:blip r:embed="rId3"/>
-          <a:stretch>
-            <a:fillRect/>
-          </a:stretch>
-        </p:blipFill>
-        <p:spPr>
-          <a:xfrm>
-            <a:off x="1960381" y="3717032"/>
-            <a:ext cx="3600206" cy="854002"/>
-          </a:xfrm>
-          <a:prstGeom prst="rect">
-            <a:avLst/>
-          </a:prstGeom>
-        </p:spPr>
-      </p:pic>
-      <p:sp>
-        <p:nvSpPr>
-          <p:cNvPr id="8" name="TextBox 7">
-            <a:extLst>
-              <a:ext uri="{FF2B5EF4-FFF2-40B4-BE49-F238E27FC236}">
-                <a16:creationId xmlns:a16="http://schemas.microsoft.com/office/drawing/2014/main" id="{5884D528-D0C0-4798-97D8-128B77462BEE}"/>
-              </a:ext>
-            </a:extLst>
-          </p:cNvPr>
-          <p:cNvSpPr txBox="1"/>
-          <p:nvPr/>
-        </p:nvSpPr>
-        <p:spPr>
-          <a:xfrm>
-            <a:off x="5654494" y="3820867"/>
-            <a:ext cx="4373024" cy="923330"/>
-          </a:xfrm>
-          <a:prstGeom prst="rect">
-            <a:avLst/>
-          </a:prstGeom>
-          <a:noFill/>
-        </p:spPr>
-        <p:txBody>
-          <a:bodyPr wrap="square" rtlCol="0">
-            <a:spAutoFit/>
-          </a:bodyPr>
-          <a:lstStyle/>
-          <a:p>
-            <a:r>
-              <a:rPr lang="en-US" altLang="ko-KR" dirty="0"/>
-              <a:t>2. Direct coded Verilog code (</a:t>
-            </a:r>
-            <a:r>
-              <a:rPr lang="en-US" altLang="ko-KR" dirty="0" err="1"/>
-              <a:t>iir_lpf.v</a:t>
-            </a:r>
-            <a:r>
-              <a:rPr lang="en-US" altLang="ko-KR" dirty="0"/>
-              <a:t>)</a:t>
-            </a:r>
-          </a:p>
-          <a:p>
-            <a:r>
-              <a:rPr lang="en-US" altLang="ko-KR" dirty="0"/>
-              <a:t>Total LUT : 1642</a:t>
-            </a:r>
-          </a:p>
-          <a:p>
-            <a:r>
-              <a:rPr lang="en-US" altLang="ko-KR" dirty="0"/>
-              <a:t>Total Cycle : 16 ~ 40</a:t>
-            </a:r>
-            <a:endParaRPr lang="ko-KR" altLang="en-US" dirty="0"/>
-          </a:p>
-        </p:txBody>
-      </p:sp>
-      <p:sp>
-        <p:nvSpPr>
-          <p:cNvPr id="9" name="화살표: 오른쪽 8">
-            <a:extLst>
-              <a:ext uri="{FF2B5EF4-FFF2-40B4-BE49-F238E27FC236}">
-                <a16:creationId xmlns:a16="http://schemas.microsoft.com/office/drawing/2014/main" id="{A2837F19-B07D-4788-AD63-4A1F35BA5E3F}"/>
-              </a:ext>
-            </a:extLst>
-          </p:cNvPr>
-          <p:cNvSpPr/>
-          <p:nvPr/>
-        </p:nvSpPr>
-        <p:spPr>
-          <a:xfrm rot="5400000">
-            <a:off x="5473131" y="5050136"/>
-            <a:ext cx="561977" cy="200025"/>
-          </a:xfrm>
-          <a:prstGeom prst="rightArrow">
-            <a:avLst/>
-          </a:prstGeom>
-          <a:solidFill>
-            <a:schemeClr val="tx1"/>
-          </a:solidFill>
-          <a:ln>
-            <a:solidFill>
-              <a:schemeClr val="tx1"/>
-            </a:solidFill>
-          </a:ln>
-        </p:spPr>
-        <p:style>
-          <a:lnRef idx="2">
-            <a:schemeClr val="accent1">
-              <a:shade val="50000"/>
-            </a:schemeClr>
-          </a:lnRef>
-          <a:fillRef idx="1">
-            <a:schemeClr val="accent1"/>
-          </a:fillRef>
-          <a:effectRef idx="0">
-            <a:schemeClr val="accent1"/>
-          </a:effectRef>
-          <a:fontRef idx="minor">
-            <a:schemeClr val="lt1"/>
-          </a:fontRef>
-        </p:style>
-        <p:txBody>
-          <a:bodyPr rtlCol="0" anchor="ctr"/>
-          <a:lstStyle/>
-          <a:p>
-            <a:pPr algn="ctr"/>
-            <a:endParaRPr lang="ko-KR" altLang="en-US"/>
-          </a:p>
-        </p:txBody>
-      </p:sp>
-      <p:sp>
-        <p:nvSpPr>
-          <p:cNvPr id="11" name="TextBox 10">
-            <a:extLst>
-              <a:ext uri="{FF2B5EF4-FFF2-40B4-BE49-F238E27FC236}">
-                <a16:creationId xmlns:a16="http://schemas.microsoft.com/office/drawing/2014/main" id="{F5BD1857-817A-4B11-B2F2-05602F508DE4}"/>
-              </a:ext>
-            </a:extLst>
-          </p:cNvPr>
-          <p:cNvSpPr txBox="1"/>
-          <p:nvPr/>
-        </p:nvSpPr>
-        <p:spPr>
-          <a:xfrm>
-            <a:off x="4062479" y="5719001"/>
-            <a:ext cx="3383280" cy="430887"/>
-          </a:xfrm>
-          <a:prstGeom prst="rect">
-            <a:avLst/>
-          </a:prstGeom>
-          <a:noFill/>
-        </p:spPr>
-        <p:txBody>
-          <a:bodyPr wrap="square" rtlCol="0">
-            <a:spAutoFit/>
-          </a:bodyPr>
-          <a:lstStyle/>
-          <a:p>
-            <a:pPr algn="ctr"/>
-            <a:r>
-              <a:rPr lang="en-US" altLang="ko-KR" sz="2200" dirty="0"/>
-              <a:t>using less of LUT!</a:t>
-            </a:r>
-            <a:endParaRPr lang="ko-KR" altLang="en-US" sz="2200" dirty="0"/>
-          </a:p>
-        </p:txBody>
-      </p:sp>
-    </p:spTree>
-    <p:extLst>
-      <p:ext uri="{BB962C8B-B14F-4D97-AF65-F5344CB8AC3E}">
-        <p14:creationId xmlns:p14="http://schemas.microsoft.com/office/powerpoint/2010/main" val="2774112360"/>
-      </p:ext>
-    </p:extLst>
-  </p:cSld>
-  <p:clrMapOvr>
-    <a:masterClrMapping/>
-  </p:clrMapOvr>
-</p:sld>
-</file>
-
-<file path=ppt/slides/slide23.xml><?xml version="1.0" encoding="utf-8"?>
-<p:sld xmlns:a="http://schemas.openxmlformats.org/drawingml/2006/main" xmlns:r="http://schemas.openxmlformats.org/officeDocument/2006/relationships" xmlns:p="http://schemas.openxmlformats.org/presentationml/2006/main">
-  <p:cSld>
-    <p:spTree>
-      <p:nvGrpSpPr>
-        <p:cNvPr id="1" name=""/>
-        <p:cNvGrpSpPr/>
-        <p:nvPr/>
-      </p:nvGrpSpPr>
-      <p:grpSpPr>
-        <a:xfrm>
-          <a:off x="0" y="0"/>
-          <a:ext cx="0" cy="0"/>
-          <a:chOff x="0" y="0"/>
-          <a:chExt cx="0" cy="0"/>
-        </a:xfrm>
-      </p:grpSpPr>
-      <p:pic>
-        <p:nvPicPr>
-          <p:cNvPr id="5" name="그림 4" descr="스크린샷, 컴퓨터, 노트북이(가) 표시된 사진&#10;&#10;자동 생성된 설명">
-            <a:extLst>
-              <a:ext uri="{FF2B5EF4-FFF2-40B4-BE49-F238E27FC236}">
-                <a16:creationId xmlns:a16="http://schemas.microsoft.com/office/drawing/2014/main" id="{1583A331-BB41-4D72-AFD0-BDE3DC5CB66B}"/>
-              </a:ext>
-            </a:extLst>
-          </p:cNvPr>
-          <p:cNvPicPr>
-            <a:picLocks noChangeAspect="1"/>
-          </p:cNvPicPr>
-          <p:nvPr/>
-        </p:nvPicPr>
-        <p:blipFill rotWithShape="1">
-          <a:blip r:embed="rId2">
-            <a:extLst>
-              <a:ext uri="{28A0092B-C50C-407E-A947-70E740481C1C}">
-                <a14:useLocalDpi xmlns:a14="http://schemas.microsoft.com/office/drawing/2010/main" val="0"/>
-              </a:ext>
-            </a:extLst>
-          </a:blip>
-          <a:srcRect l="903" t="42370" r="76536" b="31495"/>
-          <a:stretch/>
-        </p:blipFill>
-        <p:spPr>
-          <a:xfrm>
-            <a:off x="1960187" y="980728"/>
-            <a:ext cx="3600400" cy="2346011"/>
-          </a:xfrm>
-          <a:prstGeom prst="rect">
-            <a:avLst/>
-          </a:prstGeom>
-        </p:spPr>
-      </p:pic>
-      <p:sp>
-        <p:nvSpPr>
-          <p:cNvPr id="6" name="TextBox 5">
-            <a:extLst>
-              <a:ext uri="{FF2B5EF4-FFF2-40B4-BE49-F238E27FC236}">
-                <a16:creationId xmlns:a16="http://schemas.microsoft.com/office/drawing/2014/main" id="{3BBD1C31-A656-4D3D-9A5E-194F299343E8}"/>
-              </a:ext>
-            </a:extLst>
-          </p:cNvPr>
-          <p:cNvSpPr txBox="1"/>
-          <p:nvPr/>
-        </p:nvSpPr>
-        <p:spPr>
-          <a:xfrm>
-            <a:off x="5654107" y="1830567"/>
-            <a:ext cx="3887032" cy="923330"/>
-          </a:xfrm>
-          <a:prstGeom prst="rect">
-            <a:avLst/>
-          </a:prstGeom>
-          <a:noFill/>
-        </p:spPr>
-        <p:txBody>
-          <a:bodyPr wrap="square" rtlCol="0">
-            <a:spAutoFit/>
-          </a:bodyPr>
-          <a:lstStyle/>
-          <a:p>
-            <a:pPr marL="342900" indent="-342900">
-              <a:buAutoNum type="arabicPeriod"/>
-            </a:pPr>
-            <a:r>
-              <a:rPr lang="en-US" altLang="ko-KR" dirty="0" err="1"/>
-              <a:t>Vivado</a:t>
-            </a:r>
-            <a:r>
-              <a:rPr lang="en-US" altLang="ko-KR" dirty="0"/>
-              <a:t> HLS(Xilinx)</a:t>
-            </a:r>
-          </a:p>
-          <a:p>
-            <a:r>
-              <a:rPr lang="en-US" altLang="ko-KR" dirty="0"/>
-              <a:t>Total LUT : 1928</a:t>
-            </a:r>
             <a:r>
               <a:rPr lang="ko-KR" altLang="en-US" dirty="0"/>
               <a:t>  </a:t>
@@ -17841,55 +17047,6 @@
       </p:grpSpPr>
       <p:sp>
         <p:nvSpPr>
-          <p:cNvPr id="4" name="직사각형 3"/>
-          <p:cNvSpPr/>
-          <p:nvPr/>
-        </p:nvSpPr>
-        <p:spPr>
-          <a:xfrm>
-            <a:off x="177462" y="111966"/>
-            <a:ext cx="12080498" cy="6597352"/>
-          </a:xfrm>
-          <a:prstGeom prst="rect">
-            <a:avLst/>
-          </a:prstGeom>
-          <a:noFill/>
-          <a:ln w="28575">
-            <a:solidFill>
-              <a:schemeClr val="accent3">
-                <a:lumMod val="20000"/>
-                <a:lumOff val="80000"/>
-              </a:schemeClr>
-            </a:solidFill>
-          </a:ln>
-        </p:spPr>
-        <p:style>
-          <a:lnRef idx="2">
-            <a:schemeClr val="accent1">
-              <a:shade val="50000"/>
-            </a:schemeClr>
-          </a:lnRef>
-          <a:fillRef idx="1">
-            <a:schemeClr val="accent1"/>
-          </a:fillRef>
-          <a:effectRef idx="0">
-            <a:schemeClr val="accent1"/>
-          </a:effectRef>
-          <a:fontRef idx="minor">
-            <a:schemeClr val="lt1"/>
-          </a:fontRef>
-        </p:style>
-        <p:txBody>
-          <a:bodyPr rtlCol="0" anchor="ctr"/>
-          <a:lstStyle/>
-          <a:p>
-            <a:pPr algn="ctr"/>
-            <a:endParaRPr lang="ko-KR" altLang="en-US"/>
-          </a:p>
-        </p:txBody>
-      </p:sp>
-      <p:sp>
-        <p:nvSpPr>
           <p:cNvPr id="15" name="Rectangle 14">
             <a:extLst>
               <a:ext uri="{FF2B5EF4-FFF2-40B4-BE49-F238E27FC236}">
@@ -17902,12 +17059,18 @@
         </p:nvSpPr>
         <p:spPr>
           <a:xfrm>
-            <a:off x="1458566" y="548680"/>
+            <a:off x="1747628" y="1135132"/>
             <a:ext cx="2232248" cy="646331"/>
           </a:xfrm>
           <a:prstGeom prst="rect">
             <a:avLst/>
           </a:prstGeom>
+          <a:noFill/>
+          <a:ln>
+            <a:solidFill>
+              <a:schemeClr val="tx1"/>
+            </a:solidFill>
+          </a:ln>
         </p:spPr>
         <p:style>
           <a:lnRef idx="2">
@@ -17931,14 +17094,22 @@
           <a:p>
             <a:pPr algn="ctr"/>
             <a:r>
-              <a:rPr lang="en-KR" dirty="0"/>
+              <a:rPr lang="en-KR" dirty="0">
+                <a:solidFill>
+                  <a:schemeClr val="tx1"/>
+                </a:solidFill>
+              </a:rPr>
               <a:t>Python(Subprocess) </a:t>
             </a:r>
           </a:p>
           <a:p>
             <a:pPr algn="ctr"/>
             <a:r>
-              <a:rPr lang="en-KR" dirty="0"/>
+              <a:rPr lang="en-KR" dirty="0">
+                <a:solidFill>
+                  <a:schemeClr val="tx1"/>
+                </a:solidFill>
+              </a:rPr>
               <a:t>Verilog compile</a:t>
             </a:r>
           </a:p>
@@ -17958,12 +17129,18 @@
         </p:nvSpPr>
         <p:spPr>
           <a:xfrm>
-            <a:off x="1863956" y="1557611"/>
+            <a:off x="2153018" y="2144063"/>
             <a:ext cx="1421468" cy="369333"/>
           </a:xfrm>
           <a:prstGeom prst="rect">
             <a:avLst/>
           </a:prstGeom>
+          <a:noFill/>
+          <a:ln>
+            <a:solidFill>
+              <a:schemeClr val="tx1"/>
+            </a:solidFill>
+          </a:ln>
         </p:spPr>
         <p:style>
           <a:lnRef idx="2">
@@ -17986,11 +17163,19 @@
           <a:lstStyle/>
           <a:p>
             <a:r>
-              <a:rPr lang="en-US" dirty="0"/>
+              <a:rPr lang="en-US" dirty="0">
+                <a:solidFill>
+                  <a:schemeClr val="tx1"/>
+                </a:solidFill>
+              </a:rPr>
               <a:t>f</a:t>
             </a:r>
             <a:r>
-              <a:rPr lang="en-KR" dirty="0"/>
+              <a:rPr lang="en-KR" dirty="0">
+                <a:solidFill>
+                  <a:schemeClr val="tx1"/>
+                </a:solidFill>
+              </a:rPr>
               <a:t>ile_reader.v</a:t>
             </a:r>
           </a:p>
@@ -18010,12 +17195,18 @@
         </p:nvSpPr>
         <p:spPr>
           <a:xfrm>
-            <a:off x="4739994" y="548680"/>
+            <a:off x="5029056" y="1135132"/>
             <a:ext cx="2232248" cy="646331"/>
           </a:xfrm>
           <a:prstGeom prst="rect">
             <a:avLst/>
           </a:prstGeom>
+          <a:noFill/>
+          <a:ln>
+            <a:solidFill>
+              <a:schemeClr val="tx1"/>
+            </a:solidFill>
+          </a:ln>
         </p:spPr>
         <p:style>
           <a:lnRef idx="2">
@@ -18039,14 +17230,22 @@
           <a:p>
             <a:pPr algn="ctr"/>
             <a:r>
-              <a:rPr lang="en-KR" dirty="0"/>
+              <a:rPr lang="en-KR" dirty="0">
+                <a:solidFill>
+                  <a:schemeClr val="tx1"/>
+                </a:solidFill>
+              </a:rPr>
               <a:t>C++(signal) </a:t>
             </a:r>
           </a:p>
           <a:p>
             <a:pPr algn="ctr"/>
             <a:r>
-              <a:rPr lang="en-KR" dirty="0"/>
+              <a:rPr lang="en-KR" dirty="0">
+                <a:solidFill>
+                  <a:schemeClr val="tx1"/>
+                </a:solidFill>
+              </a:rPr>
               <a:t>Generate Signal</a:t>
             </a:r>
           </a:p>
@@ -18066,12 +17265,18 @@
         </p:nvSpPr>
         <p:spPr>
           <a:xfrm>
-            <a:off x="4760967" y="4554055"/>
+            <a:off x="5050029" y="5140507"/>
             <a:ext cx="2232248" cy="646331"/>
           </a:xfrm>
           <a:prstGeom prst="rect">
             <a:avLst/>
           </a:prstGeom>
+          <a:noFill/>
+          <a:ln>
+            <a:solidFill>
+              <a:schemeClr val="tx1"/>
+            </a:solidFill>
+          </a:ln>
         </p:spPr>
         <p:style>
           <a:lnRef idx="2">
@@ -18095,14 +17300,22 @@
           <a:p>
             <a:pPr algn="ctr"/>
             <a:r>
-              <a:rPr lang="en-KR" dirty="0"/>
+              <a:rPr lang="en-KR" dirty="0">
+                <a:solidFill>
+                  <a:schemeClr val="tx1"/>
+                </a:solidFill>
+              </a:rPr>
               <a:t>Python(Matplotlib)</a:t>
             </a:r>
           </a:p>
           <a:p>
             <a:pPr algn="ctr"/>
             <a:r>
-              <a:rPr lang="en-KR" dirty="0"/>
+              <a:rPr lang="en-KR" dirty="0">
+                <a:solidFill>
+                  <a:schemeClr val="tx1"/>
+                </a:solidFill>
+              </a:rPr>
               <a:t>Compare Data</a:t>
             </a:r>
           </a:p>
@@ -18122,12 +17335,18 @@
         </p:nvSpPr>
         <p:spPr>
           <a:xfrm>
-            <a:off x="8021422" y="538292"/>
+            <a:off x="8310484" y="1124744"/>
             <a:ext cx="2364075" cy="646331"/>
           </a:xfrm>
           <a:prstGeom prst="rect">
             <a:avLst/>
           </a:prstGeom>
+          <a:noFill/>
+          <a:ln>
+            <a:solidFill>
+              <a:schemeClr val="tx1"/>
+            </a:solidFill>
+          </a:ln>
         </p:spPr>
         <p:style>
           <a:lnRef idx="2">
@@ -18151,17 +17370,29 @@
           <a:p>
             <a:pPr algn="ctr"/>
             <a:r>
-              <a:rPr lang="en-KR" dirty="0"/>
+              <a:rPr lang="en-KR" dirty="0">
+                <a:solidFill>
+                  <a:schemeClr val="tx1"/>
+                </a:solidFill>
+              </a:rPr>
               <a:t>Vivado HLS (Xilinx)</a:t>
             </a:r>
           </a:p>
           <a:p>
             <a:pPr algn="ctr"/>
             <a:r>
-              <a:rPr lang="en-US" dirty="0"/>
+              <a:rPr lang="en-US" dirty="0">
+                <a:solidFill>
+                  <a:schemeClr val="tx1"/>
+                </a:solidFill>
+              </a:rPr>
               <a:t>Convert C to Verilog</a:t>
             </a:r>
-            <a:endParaRPr lang="en-KR" dirty="0"/>
+            <a:endParaRPr lang="en-KR" dirty="0">
+              <a:solidFill>
+                <a:schemeClr val="tx1"/>
+              </a:solidFill>
+            </a:endParaRPr>
           </a:p>
         </p:txBody>
       </p:sp>
@@ -18179,12 +17410,18 @@
         </p:nvSpPr>
         <p:spPr>
           <a:xfrm>
-            <a:off x="1880060" y="2289544"/>
+            <a:off x="2169122" y="2875996"/>
             <a:ext cx="1421468" cy="369333"/>
           </a:xfrm>
           <a:prstGeom prst="rect">
             <a:avLst/>
           </a:prstGeom>
+          <a:noFill/>
+          <a:ln>
+            <a:solidFill>
+              <a:schemeClr val="tx1"/>
+            </a:solidFill>
+          </a:ln>
         </p:spPr>
         <p:style>
           <a:lnRef idx="2">
@@ -18208,11 +17445,19 @@
           <a:p>
             <a:pPr algn="ctr"/>
             <a:r>
-              <a:rPr lang="en-US" dirty="0" err="1"/>
+              <a:rPr lang="en-US" dirty="0" err="1">
+                <a:solidFill>
+                  <a:schemeClr val="tx1"/>
+                </a:solidFill>
+              </a:rPr>
               <a:t>i</a:t>
             </a:r>
             <a:r>
-              <a:rPr lang="en-KR" dirty="0"/>
+              <a:rPr lang="en-KR" dirty="0">
+                <a:solidFill>
+                  <a:schemeClr val="tx1"/>
+                </a:solidFill>
+              </a:rPr>
               <a:t>ir_lpf.v</a:t>
             </a:r>
           </a:p>
@@ -18232,12 +17477,18 @@
         </p:nvSpPr>
         <p:spPr>
           <a:xfrm>
-            <a:off x="1853465" y="3021477"/>
+            <a:off x="2142527" y="3607929"/>
             <a:ext cx="1421468" cy="369333"/>
           </a:xfrm>
           <a:prstGeom prst="rect">
             <a:avLst/>
           </a:prstGeom>
+          <a:noFill/>
+          <a:ln>
+            <a:solidFill>
+              <a:schemeClr val="tx1"/>
+            </a:solidFill>
+          </a:ln>
         </p:spPr>
         <p:style>
           <a:lnRef idx="2">
@@ -18261,11 +17512,19 @@
           <a:p>
             <a:pPr algn="ctr"/>
             <a:r>
-              <a:rPr lang="en-US" dirty="0"/>
+              <a:rPr lang="en-US" dirty="0">
+                <a:solidFill>
+                  <a:schemeClr val="tx1"/>
+                </a:solidFill>
+              </a:rPr>
               <a:t>f</a:t>
             </a:r>
             <a:r>
-              <a:rPr lang="en-KR" dirty="0"/>
+              <a:rPr lang="en-KR" dirty="0">
+                <a:solidFill>
+                  <a:schemeClr val="tx1"/>
+                </a:solidFill>
+              </a:rPr>
               <a:t>ile_writer.v</a:t>
             </a:r>
           </a:p>
@@ -18285,12 +17544,18 @@
         </p:nvSpPr>
         <p:spPr>
           <a:xfrm>
-            <a:off x="1690662" y="3751712"/>
+            <a:off x="1979724" y="4338164"/>
             <a:ext cx="1800263" cy="369333"/>
           </a:xfrm>
           <a:prstGeom prst="rect">
             <a:avLst/>
           </a:prstGeom>
+          <a:noFill/>
+          <a:ln>
+            <a:solidFill>
+              <a:schemeClr val="tx1"/>
+            </a:solidFill>
+          </a:ln>
         </p:spPr>
         <p:style>
           <a:lnRef idx="2">
@@ -18314,7 +17579,11 @@
           <a:p>
             <a:pPr algn="ctr"/>
             <a:r>
-              <a:rPr lang="en-KR" dirty="0"/>
+              <a:rPr lang="en-KR" dirty="0">
+                <a:solidFill>
+                  <a:schemeClr val="tx1"/>
+                </a:solidFill>
+              </a:rPr>
               <a:t>Output_Verilog</a:t>
             </a:r>
           </a:p>
@@ -18334,12 +17603,18 @@
         </p:nvSpPr>
         <p:spPr>
           <a:xfrm>
-            <a:off x="5145384" y="1542366"/>
+            <a:off x="5434446" y="2128818"/>
             <a:ext cx="1421468" cy="369333"/>
           </a:xfrm>
           <a:prstGeom prst="rect">
             <a:avLst/>
           </a:prstGeom>
+          <a:noFill/>
+          <a:ln>
+            <a:solidFill>
+              <a:schemeClr val="tx1"/>
+            </a:solidFill>
+          </a:ln>
         </p:spPr>
         <p:style>
           <a:lnRef idx="2">
@@ -18363,7 +17638,11 @@
           <a:p>
             <a:pPr algn="ctr"/>
             <a:r>
-              <a:rPr lang="en-KR" dirty="0"/>
+              <a:rPr lang="en-KR" dirty="0">
+                <a:solidFill>
+                  <a:schemeClr val="tx1"/>
+                </a:solidFill>
+              </a:rPr>
               <a:t>Stimulus</a:t>
             </a:r>
           </a:p>
@@ -18386,13 +17665,16 @@
         </p:nvCxnSpPr>
         <p:spPr>
           <a:xfrm>
-            <a:off x="2574690" y="1195011"/>
+            <a:off x="2863752" y="1781463"/>
             <a:ext cx="0" cy="362600"/>
           </a:xfrm>
           <a:prstGeom prst="straightConnector1">
             <a:avLst/>
           </a:prstGeom>
           <a:ln w="50800">
+            <a:solidFill>
+              <a:schemeClr val="tx1"/>
+            </a:solidFill>
             <a:tailEnd type="triangle"/>
           </a:ln>
         </p:spPr>
@@ -18425,13 +17707,16 @@
         </p:nvCxnSpPr>
         <p:spPr>
           <a:xfrm>
-            <a:off x="2587562" y="1926944"/>
+            <a:off x="2876624" y="2513396"/>
             <a:ext cx="0" cy="362600"/>
           </a:xfrm>
           <a:prstGeom prst="straightConnector1">
             <a:avLst/>
           </a:prstGeom>
           <a:ln w="50800">
+            <a:solidFill>
+              <a:schemeClr val="tx1"/>
+            </a:solidFill>
             <a:tailEnd type="triangle"/>
           </a:ln>
         </p:spPr>
@@ -18464,13 +17749,16 @@
         </p:nvCxnSpPr>
         <p:spPr>
           <a:xfrm>
-            <a:off x="2571452" y="2658877"/>
+            <a:off x="2860514" y="3245329"/>
             <a:ext cx="0" cy="362600"/>
           </a:xfrm>
           <a:prstGeom prst="straightConnector1">
             <a:avLst/>
           </a:prstGeom>
           <a:ln w="50800">
+            <a:solidFill>
+              <a:schemeClr val="tx1"/>
+            </a:solidFill>
             <a:tailEnd type="triangle"/>
           </a:ln>
         </p:spPr>
@@ -18503,13 +17791,16 @@
         </p:nvCxnSpPr>
         <p:spPr>
           <a:xfrm>
-            <a:off x="2563107" y="3361885"/>
+            <a:off x="2860514" y="3977262"/>
             <a:ext cx="0" cy="362600"/>
           </a:xfrm>
           <a:prstGeom prst="straightConnector1">
             <a:avLst/>
           </a:prstGeom>
           <a:ln w="50800">
+            <a:solidFill>
+              <a:schemeClr val="tx1"/>
+            </a:solidFill>
             <a:tailEnd type="triangle"/>
           </a:ln>
         </p:spPr>
@@ -18545,13 +17836,16 @@
         </p:nvCxnSpPr>
         <p:spPr>
           <a:xfrm rot="16200000" flipH="1">
-            <a:off x="3297792" y="3414046"/>
+            <a:off x="3586854" y="4000498"/>
             <a:ext cx="756176" cy="2170173"/>
           </a:xfrm>
           <a:prstGeom prst="bentConnector2">
             <a:avLst/>
           </a:prstGeom>
           <a:ln w="50800">
+            <a:solidFill>
+              <a:schemeClr val="tx1"/>
+            </a:solidFill>
             <a:tailEnd type="triangle"/>
           </a:ln>
         </p:spPr>
@@ -18584,12 +17878,18 @@
         </p:nvSpPr>
         <p:spPr>
           <a:xfrm>
-            <a:off x="5182496" y="5568728"/>
+            <a:off x="5471558" y="6155180"/>
             <a:ext cx="1421468" cy="369333"/>
           </a:xfrm>
           <a:prstGeom prst="rect">
             <a:avLst/>
           </a:prstGeom>
+          <a:noFill/>
+          <a:ln>
+            <a:solidFill>
+              <a:schemeClr val="tx1"/>
+            </a:solidFill>
+          </a:ln>
         </p:spPr>
         <p:style>
           <a:lnRef idx="2">
@@ -18613,7 +17913,11 @@
           <a:p>
             <a:pPr algn="ctr"/>
             <a:r>
-              <a:rPr lang="en-KR" dirty="0"/>
+              <a:rPr lang="en-KR" dirty="0">
+                <a:solidFill>
+                  <a:schemeClr val="tx1"/>
+                </a:solidFill>
+              </a:rPr>
               <a:t>Graph, Text</a:t>
             </a:r>
           </a:p>
@@ -18633,13 +17937,16 @@
         </p:nvCxnSpPr>
         <p:spPr>
           <a:xfrm>
-            <a:off x="5893230" y="5200386"/>
+            <a:off x="6182292" y="5786838"/>
             <a:ext cx="0" cy="362600"/>
           </a:xfrm>
           <a:prstGeom prst="straightConnector1">
             <a:avLst/>
           </a:prstGeom>
           <a:ln w="50800">
+            <a:solidFill>
+              <a:schemeClr val="tx1"/>
+            </a:solidFill>
             <a:tailEnd type="triangle"/>
           </a:ln>
         </p:spPr>
@@ -18672,12 +17979,18 @@
         </p:nvSpPr>
         <p:spPr>
           <a:xfrm>
-            <a:off x="5163920" y="2255187"/>
+            <a:off x="5452982" y="2841639"/>
             <a:ext cx="1421468" cy="369333"/>
           </a:xfrm>
           <a:prstGeom prst="rect">
             <a:avLst/>
           </a:prstGeom>
+          <a:noFill/>
+          <a:ln>
+            <a:solidFill>
+              <a:schemeClr val="tx1"/>
+            </a:solidFill>
+          </a:ln>
         </p:spPr>
         <p:style>
           <a:lnRef idx="2">
@@ -18701,10 +18014,18 @@
           <a:p>
             <a:pPr algn="ctr"/>
             <a:r>
-              <a:rPr lang="en-US" dirty="0" err="1"/>
+              <a:rPr lang="en-US" dirty="0" err="1">
+                <a:solidFill>
+                  <a:schemeClr val="tx1"/>
+                </a:solidFill>
+              </a:rPr>
               <a:t>iir_lpf.cpp</a:t>
             </a:r>
-            <a:endParaRPr lang="en-KR" dirty="0"/>
+            <a:endParaRPr lang="en-KR" dirty="0">
+              <a:solidFill>
+                <a:schemeClr val="tx1"/>
+              </a:solidFill>
+            </a:endParaRPr>
           </a:p>
         </p:txBody>
       </p:sp>
@@ -18722,12 +18043,18 @@
         </p:nvSpPr>
         <p:spPr>
           <a:xfrm>
-            <a:off x="4974522" y="2985382"/>
+            <a:off x="5263584" y="3571834"/>
             <a:ext cx="1800263" cy="369333"/>
           </a:xfrm>
           <a:prstGeom prst="rect">
             <a:avLst/>
           </a:prstGeom>
+          <a:noFill/>
+          <a:ln>
+            <a:solidFill>
+              <a:schemeClr val="tx1"/>
+            </a:solidFill>
+          </a:ln>
         </p:spPr>
         <p:style>
           <a:lnRef idx="2">
@@ -18751,7 +18078,11 @@
           <a:p>
             <a:pPr algn="ctr"/>
             <a:r>
-              <a:rPr lang="en-KR" dirty="0"/>
+              <a:rPr lang="en-KR" dirty="0">
+                <a:solidFill>
+                  <a:schemeClr val="tx1"/>
+                </a:solidFill>
+              </a:rPr>
               <a:t>Output_CPP</a:t>
             </a:r>
           </a:p>
@@ -18775,13 +18106,16 @@
         </p:nvCxnSpPr>
         <p:spPr>
           <a:xfrm>
-            <a:off x="5874654" y="3354715"/>
+            <a:off x="6163716" y="3941167"/>
             <a:ext cx="2437" cy="1199340"/>
           </a:xfrm>
           <a:prstGeom prst="straightConnector1">
             <a:avLst/>
           </a:prstGeom>
           <a:ln w="50800">
+            <a:solidFill>
+              <a:schemeClr val="tx1"/>
+            </a:solidFill>
             <a:tailEnd type="triangle"/>
           </a:ln>
         </p:spPr>
@@ -18814,12 +18148,18 @@
         </p:nvSpPr>
         <p:spPr>
           <a:xfrm>
-            <a:off x="8537820" y="1555243"/>
+            <a:off x="8826882" y="2141695"/>
             <a:ext cx="1421468" cy="369333"/>
           </a:xfrm>
           <a:prstGeom prst="rect">
             <a:avLst/>
           </a:prstGeom>
+          <a:noFill/>
+          <a:ln>
+            <a:solidFill>
+              <a:schemeClr val="tx1"/>
+            </a:solidFill>
+          </a:ln>
         </p:spPr>
         <p:style>
           <a:lnRef idx="2">
@@ -18843,10 +18183,18 @@
           <a:p>
             <a:pPr algn="ctr"/>
             <a:r>
-              <a:rPr lang="en-US" dirty="0" err="1"/>
+              <a:rPr lang="en-US" dirty="0" err="1">
+                <a:solidFill>
+                  <a:schemeClr val="tx1"/>
+                </a:solidFill>
+              </a:rPr>
               <a:t>lpf.cpp</a:t>
             </a:r>
-            <a:endParaRPr lang="en-KR" dirty="0"/>
+            <a:endParaRPr lang="en-KR" dirty="0">
+              <a:solidFill>
+                <a:schemeClr val="tx1"/>
+              </a:solidFill>
+            </a:endParaRPr>
           </a:p>
         </p:txBody>
       </p:sp>
@@ -18864,12 +18212,18 @@
         </p:nvSpPr>
         <p:spPr>
           <a:xfrm>
-            <a:off x="8537820" y="2250850"/>
+            <a:off x="8826882" y="2837302"/>
             <a:ext cx="1421468" cy="369333"/>
           </a:xfrm>
           <a:prstGeom prst="rect">
             <a:avLst/>
           </a:prstGeom>
+          <a:noFill/>
+          <a:ln>
+            <a:solidFill>
+              <a:schemeClr val="tx1"/>
+            </a:solidFill>
+          </a:ln>
         </p:spPr>
         <p:style>
           <a:lnRef idx="2">
@@ -18893,7 +18247,11 @@
           <a:p>
             <a:pPr algn="ctr"/>
             <a:r>
-              <a:rPr lang="en-KR" dirty="0"/>
+              <a:rPr lang="en-KR" dirty="0">
+                <a:solidFill>
+                  <a:schemeClr val="tx1"/>
+                </a:solidFill>
+              </a:rPr>
               <a:t>lpf.v</a:t>
             </a:r>
           </a:p>
@@ -18908,18 +18266,24 @@
               </a:ext>
             </a:extLst>
           </p:cNvPr>
-          <p:cNvCxnSpPr/>
+          <p:cNvCxnSpPr>
+            <a:cxnSpLocks/>
+            <a:endCxn id="33" idx="0"/>
+          </p:cNvCxnSpPr>
           <p:nvPr/>
         </p:nvCxnSpPr>
         <p:spPr>
           <a:xfrm>
-            <a:off x="5856118" y="1216894"/>
-            <a:ext cx="0" cy="362600"/>
+            <a:off x="6145180" y="1803346"/>
+            <a:ext cx="0" cy="325472"/>
           </a:xfrm>
           <a:prstGeom prst="straightConnector1">
             <a:avLst/>
           </a:prstGeom>
           <a:ln w="50800">
+            <a:solidFill>
+              <a:schemeClr val="tx1"/>
+            </a:solidFill>
             <a:tailEnd type="triangle"/>
           </a:ln>
         </p:spPr>
@@ -18952,13 +18316,16 @@
         </p:nvCxnSpPr>
         <p:spPr>
           <a:xfrm>
-            <a:off x="5856118" y="1888250"/>
+            <a:off x="6151800" y="2498151"/>
             <a:ext cx="0" cy="362600"/>
           </a:xfrm>
           <a:prstGeom prst="straightConnector1">
             <a:avLst/>
           </a:prstGeom>
           <a:ln w="50800">
+            <a:solidFill>
+              <a:schemeClr val="tx1"/>
+            </a:solidFill>
             <a:tailEnd type="triangle"/>
           </a:ln>
         </p:spPr>
@@ -18986,18 +18353,25 @@
               </a:ext>
             </a:extLst>
           </p:cNvPr>
-          <p:cNvCxnSpPr/>
+          <p:cNvCxnSpPr>
+            <a:cxnSpLocks/>
+            <a:stCxn id="43" idx="2"/>
+            <a:endCxn id="44" idx="0"/>
+          </p:cNvCxnSpPr>
           <p:nvPr/>
         </p:nvCxnSpPr>
         <p:spPr>
           <a:xfrm>
-            <a:off x="5852887" y="2658877"/>
-            <a:ext cx="0" cy="362600"/>
+            <a:off x="6163716" y="3210972"/>
+            <a:ext cx="0" cy="360862"/>
           </a:xfrm>
           <a:prstGeom prst="straightConnector1">
             <a:avLst/>
           </a:prstGeom>
           <a:ln w="50800">
+            <a:solidFill>
+              <a:schemeClr val="tx1"/>
+            </a:solidFill>
             <a:tailEnd type="triangle"/>
           </a:ln>
         </p:spPr>
@@ -19030,13 +18404,16 @@
         </p:nvCxnSpPr>
         <p:spPr>
           <a:xfrm>
-            <a:off x="9203459" y="1179766"/>
+            <a:off x="9492521" y="1766218"/>
             <a:ext cx="0" cy="362600"/>
           </a:xfrm>
           <a:prstGeom prst="straightConnector1">
             <a:avLst/>
           </a:prstGeom>
           <a:ln w="50800">
+            <a:solidFill>
+              <a:schemeClr val="tx1"/>
+            </a:solidFill>
             <a:tailEnd type="triangle"/>
           </a:ln>
         </p:spPr>
@@ -19064,18 +18441,23 @@
               </a:ext>
             </a:extLst>
           </p:cNvPr>
-          <p:cNvCxnSpPr/>
+          <p:cNvCxnSpPr>
+            <a:cxnSpLocks/>
+          </p:cNvCxnSpPr>
           <p:nvPr/>
         </p:nvCxnSpPr>
         <p:spPr>
           <a:xfrm>
-            <a:off x="9203459" y="1931999"/>
-            <a:ext cx="0" cy="362600"/>
+            <a:off x="9492521" y="2518451"/>
+            <a:ext cx="0" cy="318851"/>
           </a:xfrm>
           <a:prstGeom prst="straightConnector1">
             <a:avLst/>
           </a:prstGeom>
           <a:ln w="50800">
+            <a:solidFill>
+              <a:schemeClr val="tx1"/>
+            </a:solidFill>
             <a:tailEnd type="triangle"/>
           </a:ln>
         </p:spPr>
@@ -19111,13 +18493,16 @@
         </p:nvCxnSpPr>
         <p:spPr>
           <a:xfrm rot="5400000">
-            <a:off x="6992366" y="2621033"/>
+            <a:off x="7281428" y="3207485"/>
             <a:ext cx="2257038" cy="2255339"/>
           </a:xfrm>
           <a:prstGeom prst="bentConnector2">
             <a:avLst/>
           </a:prstGeom>
           <a:ln w="50800">
+            <a:solidFill>
+              <a:schemeClr val="tx1"/>
+            </a:solidFill>
             <a:tailEnd type="triangle"/>
           </a:ln>
         </p:spPr>
@@ -19136,6 +18521,177 @@
           </a:fontRef>
         </p:style>
       </p:cxnSp>
+      <p:sp>
+        <p:nvSpPr>
+          <p:cNvPr id="39" name="직사각형 38">
+            <a:extLst>
+              <a:ext uri="{FF2B5EF4-FFF2-40B4-BE49-F238E27FC236}">
+                <a16:creationId xmlns:a16="http://schemas.microsoft.com/office/drawing/2014/main" id="{9D03FFE2-AB32-4F74-A352-EAB34935DAA4}"/>
+              </a:ext>
+            </a:extLst>
+          </p:cNvPr>
+          <p:cNvSpPr/>
+          <p:nvPr/>
+        </p:nvSpPr>
+        <p:spPr>
+          <a:xfrm>
+            <a:off x="177462" y="111966"/>
+            <a:ext cx="12080498" cy="6597352"/>
+          </a:xfrm>
+          <a:prstGeom prst="rect">
+            <a:avLst/>
+          </a:prstGeom>
+          <a:noFill/>
+          <a:ln w="28575">
+            <a:solidFill>
+              <a:schemeClr val="accent3">
+                <a:lumMod val="20000"/>
+                <a:lumOff val="80000"/>
+              </a:schemeClr>
+            </a:solidFill>
+          </a:ln>
+        </p:spPr>
+        <p:style>
+          <a:lnRef idx="2">
+            <a:schemeClr val="accent1">
+              <a:shade val="50000"/>
+            </a:schemeClr>
+          </a:lnRef>
+          <a:fillRef idx="1">
+            <a:schemeClr val="accent1"/>
+          </a:fillRef>
+          <a:effectRef idx="0">
+            <a:schemeClr val="accent1"/>
+          </a:effectRef>
+          <a:fontRef idx="minor">
+            <a:schemeClr val="lt1"/>
+          </a:fontRef>
+        </p:style>
+        <p:txBody>
+          <a:bodyPr rtlCol="0" anchor="ctr"/>
+          <a:lstStyle/>
+          <a:p>
+            <a:pPr algn="ctr"/>
+            <a:endParaRPr lang="ko-KR" altLang="en-US"/>
+          </a:p>
+        </p:txBody>
+      </p:sp>
+      <p:sp>
+        <p:nvSpPr>
+          <p:cNvPr id="46" name="직사각형 45">
+            <a:extLst>
+              <a:ext uri="{FF2B5EF4-FFF2-40B4-BE49-F238E27FC236}">
+                <a16:creationId xmlns:a16="http://schemas.microsoft.com/office/drawing/2014/main" id="{005898E8-BCC1-4565-B899-54304A2CEA57}"/>
+              </a:ext>
+            </a:extLst>
+          </p:cNvPr>
+          <p:cNvSpPr/>
+          <p:nvPr/>
+        </p:nvSpPr>
+        <p:spPr>
+          <a:xfrm>
+            <a:off x="189964" y="116255"/>
+            <a:ext cx="195645" cy="518931"/>
+          </a:xfrm>
+          <a:prstGeom prst="rect">
+            <a:avLst/>
+          </a:prstGeom>
+          <a:solidFill>
+            <a:schemeClr val="accent3">
+              <a:lumMod val="75000"/>
+            </a:schemeClr>
+          </a:solidFill>
+          <a:ln>
+            <a:solidFill>
+              <a:schemeClr val="accent3">
+                <a:lumMod val="75000"/>
+              </a:schemeClr>
+            </a:solidFill>
+          </a:ln>
+        </p:spPr>
+        <p:style>
+          <a:lnRef idx="2">
+            <a:schemeClr val="accent1">
+              <a:shade val="50000"/>
+            </a:schemeClr>
+          </a:lnRef>
+          <a:fillRef idx="1">
+            <a:schemeClr val="accent1"/>
+          </a:fillRef>
+          <a:effectRef idx="0">
+            <a:schemeClr val="accent1"/>
+          </a:effectRef>
+          <a:fontRef idx="minor">
+            <a:schemeClr val="lt1"/>
+          </a:fontRef>
+        </p:style>
+        <p:txBody>
+          <a:bodyPr rtlCol="0" anchor="ctr"/>
+          <a:lstStyle/>
+          <a:p>
+            <a:pPr algn="ctr"/>
+            <a:endParaRPr lang="ko-KR" altLang="en-US">
+              <a:solidFill>
+                <a:srgbClr val="FF0000"/>
+              </a:solidFill>
+            </a:endParaRPr>
+          </a:p>
+        </p:txBody>
+      </p:sp>
+      <p:sp>
+        <p:nvSpPr>
+          <p:cNvPr id="47" name="직사각형 46">
+            <a:extLst>
+              <a:ext uri="{FF2B5EF4-FFF2-40B4-BE49-F238E27FC236}">
+                <a16:creationId xmlns:a16="http://schemas.microsoft.com/office/drawing/2014/main" id="{E0F50129-B79F-4A62-AC82-6EA2655268E9}"/>
+              </a:ext>
+            </a:extLst>
+          </p:cNvPr>
+          <p:cNvSpPr/>
+          <p:nvPr/>
+        </p:nvSpPr>
+        <p:spPr>
+          <a:xfrm>
+            <a:off x="560262" y="111966"/>
+            <a:ext cx="6658944" cy="523220"/>
+          </a:xfrm>
+          <a:prstGeom prst="rect">
+            <a:avLst/>
+          </a:prstGeom>
+        </p:spPr>
+        <p:txBody>
+          <a:bodyPr wrap="square">
+            <a:spAutoFit/>
+          </a:bodyPr>
+          <a:lstStyle/>
+          <a:p>
+            <a:r>
+              <a:rPr lang="en-US" altLang="ko-KR" sz="2800" b="1" dirty="0">
+                <a:solidFill>
+                  <a:schemeClr val="tx1">
+                    <a:lumMod val="75000"/>
+                    <a:lumOff val="25000"/>
+                  </a:schemeClr>
+                </a:solidFill>
+                <a:latin typeface="한컴 윤고딕 230" panose="02020603020101020101" pitchFamily="18" charset="-127"/>
+                <a:ea typeface="한컴 윤고딕 230" panose="02020603020101020101" pitchFamily="18" charset="-127"/>
+                <a:cs typeface="Arial" pitchFamily="34" charset="0"/>
+              </a:rPr>
+              <a:t>Comparison method</a:t>
+            </a:r>
+            <a:endParaRPr lang="ko-KR" altLang="en-US" b="1" dirty="0">
+              <a:solidFill>
+                <a:schemeClr val="bg1">
+                  <a:lumMod val="65000"/>
+                </a:schemeClr>
+              </a:solidFill>
+              <a:latin typeface="한컴 윤고딕 230" panose="02020603020101020101" pitchFamily="18" charset="-127"/>
+              <a:ea typeface="한컴 윤고딕 230" panose="02020603020101020101" pitchFamily="18" charset="-127"/>
+              <a:cs typeface="Arial" pitchFamily="34" charset="0"/>
+            </a:endParaRPr>
+          </a:p>
+        </p:txBody>
+      </p:sp>
     </p:spTree>
     <p:extLst>
       <p:ext uri="{BB962C8B-B14F-4D97-AF65-F5344CB8AC3E}">
